--- a/images/System.pptx
+++ b/images/System.pptx
@@ -16,8 +16,9 @@
     <p:sldId id="259" r:id="rId10"/>
     <p:sldId id="267" r:id="rId11"/>
     <p:sldId id="266" r:id="rId12"/>
-    <p:sldId id="260" r:id="rId13"/>
-    <p:sldId id="268" r:id="rId14"/>
+    <p:sldId id="269" r:id="rId13"/>
+    <p:sldId id="260" r:id="rId14"/>
+    <p:sldId id="268" r:id="rId15"/>
   </p:sldIdLst>
   <p:sldSz cx="12192000" cy="6858000"/>
   <p:notesSz cx="6858000" cy="9144000"/>
@@ -271,7 +272,7 @@
           <a:p>
             <a:fld id="{2BB77936-6B44-3A4A-A40A-910453EF96EF}" type="datetimeFigureOut">
               <a:rPr lang="en-US" smtClean="0"/>
-              <a:t>2/21/22</a:t>
+              <a:t>4/24/22</a:t>
             </a:fld>
             <a:endParaRPr lang="en-US"/>
           </a:p>
@@ -469,7 +470,7 @@
           <a:p>
             <a:fld id="{2BB77936-6B44-3A4A-A40A-910453EF96EF}" type="datetimeFigureOut">
               <a:rPr lang="en-US" smtClean="0"/>
-              <a:t>2/21/22</a:t>
+              <a:t>4/24/22</a:t>
             </a:fld>
             <a:endParaRPr lang="en-US"/>
           </a:p>
@@ -677,7 +678,7 @@
           <a:p>
             <a:fld id="{2BB77936-6B44-3A4A-A40A-910453EF96EF}" type="datetimeFigureOut">
               <a:rPr lang="en-US" smtClean="0"/>
-              <a:t>2/21/22</a:t>
+              <a:t>4/24/22</a:t>
             </a:fld>
             <a:endParaRPr lang="en-US"/>
           </a:p>
@@ -875,7 +876,7 @@
           <a:p>
             <a:fld id="{2BB77936-6B44-3A4A-A40A-910453EF96EF}" type="datetimeFigureOut">
               <a:rPr lang="en-US" smtClean="0"/>
-              <a:t>2/21/22</a:t>
+              <a:t>4/24/22</a:t>
             </a:fld>
             <a:endParaRPr lang="en-US"/>
           </a:p>
@@ -1150,7 +1151,7 @@
           <a:p>
             <a:fld id="{2BB77936-6B44-3A4A-A40A-910453EF96EF}" type="datetimeFigureOut">
               <a:rPr lang="en-US" smtClean="0"/>
-              <a:t>2/21/22</a:t>
+              <a:t>4/24/22</a:t>
             </a:fld>
             <a:endParaRPr lang="en-US"/>
           </a:p>
@@ -1415,7 +1416,7 @@
           <a:p>
             <a:fld id="{2BB77936-6B44-3A4A-A40A-910453EF96EF}" type="datetimeFigureOut">
               <a:rPr lang="en-US" smtClean="0"/>
-              <a:t>2/21/22</a:t>
+              <a:t>4/24/22</a:t>
             </a:fld>
             <a:endParaRPr lang="en-US"/>
           </a:p>
@@ -1827,7 +1828,7 @@
           <a:p>
             <a:fld id="{2BB77936-6B44-3A4A-A40A-910453EF96EF}" type="datetimeFigureOut">
               <a:rPr lang="en-US" smtClean="0"/>
-              <a:t>2/21/22</a:t>
+              <a:t>4/24/22</a:t>
             </a:fld>
             <a:endParaRPr lang="en-US"/>
           </a:p>
@@ -1968,7 +1969,7 @@
           <a:p>
             <a:fld id="{2BB77936-6B44-3A4A-A40A-910453EF96EF}" type="datetimeFigureOut">
               <a:rPr lang="en-US" smtClean="0"/>
-              <a:t>2/21/22</a:t>
+              <a:t>4/24/22</a:t>
             </a:fld>
             <a:endParaRPr lang="en-US"/>
           </a:p>
@@ -2081,7 +2082,7 @@
           <a:p>
             <a:fld id="{2BB77936-6B44-3A4A-A40A-910453EF96EF}" type="datetimeFigureOut">
               <a:rPr lang="en-US" smtClean="0"/>
-              <a:t>2/21/22</a:t>
+              <a:t>4/24/22</a:t>
             </a:fld>
             <a:endParaRPr lang="en-US"/>
           </a:p>
@@ -2392,7 +2393,7 @@
           <a:p>
             <a:fld id="{2BB77936-6B44-3A4A-A40A-910453EF96EF}" type="datetimeFigureOut">
               <a:rPr lang="en-US" smtClean="0"/>
-              <a:t>2/21/22</a:t>
+              <a:t>4/24/22</a:t>
             </a:fld>
             <a:endParaRPr lang="en-US"/>
           </a:p>
@@ -2680,7 +2681,7 @@
           <a:p>
             <a:fld id="{2BB77936-6B44-3A4A-A40A-910453EF96EF}" type="datetimeFigureOut">
               <a:rPr lang="en-US" smtClean="0"/>
-              <a:t>2/21/22</a:t>
+              <a:t>4/24/22</a:t>
             </a:fld>
             <a:endParaRPr lang="en-US"/>
           </a:p>
@@ -2921,7 +2922,7 @@
           <a:p>
             <a:fld id="{2BB77936-6B44-3A4A-A40A-910453EF96EF}" type="datetimeFigureOut">
               <a:rPr lang="en-US" smtClean="0"/>
-              <a:t>2/21/22</a:t>
+              <a:t>4/24/22</a:t>
             </a:fld>
             <a:endParaRPr lang="en-US"/>
           </a:p>
@@ -6101,8 +6102,8 @@
           </p:nvSpPr>
           <p:spPr>
             <a:xfrm>
-              <a:off x="2349796" y="425302"/>
-              <a:ext cx="8282762" cy="584775"/>
+              <a:off x="2715135" y="657802"/>
+              <a:ext cx="7847810" cy="584775"/>
             </a:xfrm>
             <a:prstGeom prst="rect">
               <a:avLst/>
@@ -6120,7 +6121,7 @@
                 <a:rPr lang="en-US" sz="3200" dirty="0">
                   <a:latin typeface="Times" pitchFamily="2" charset="0"/>
                 </a:rPr>
-                <a:t>Modern Machine Learning </a:t>
+                <a:t>Statistical Machine Learning &amp; Data Science </a:t>
               </a:r>
             </a:p>
           </p:txBody>
@@ -6140,8 +6141,8 @@
         </p:nvSpPr>
         <p:spPr>
           <a:xfrm>
-            <a:off x="2699329" y="2574235"/>
-            <a:ext cx="1808921" cy="2723322"/>
+            <a:off x="2516352" y="2202039"/>
+            <a:ext cx="7847810" cy="769761"/>
           </a:xfrm>
           <a:prstGeom prst="roundRect">
             <a:avLst/>
@@ -6170,12 +6171,14 @@
           <a:bodyPr rtlCol="0" anchor="ctr"/>
           <a:lstStyle/>
           <a:p>
-            <a:pPr algn="ctr"/>
             <a:r>
-              <a:rPr lang="en-US" b="1" dirty="0">
+              <a:rPr lang="en-US" sz="2000" b="1" dirty="0">
+                <a:solidFill>
+                  <a:schemeClr val="tx1"/>
+                </a:solidFill>
                 <a:latin typeface="Times" pitchFamily="2" charset="0"/>
               </a:rPr>
-              <a:t>Model Hetero. Identification</a:t>
+              <a:t>   Sparsity Learning: Clustered-Coefficient Regression</a:t>
             </a:r>
           </a:p>
         </p:txBody>
@@ -6194,8 +6197,8 @@
         </p:nvSpPr>
         <p:spPr>
           <a:xfrm>
-            <a:off x="5407811" y="2584174"/>
-            <a:ext cx="1808921" cy="2723322"/>
+            <a:off x="2516352" y="4623365"/>
+            <a:ext cx="7847810" cy="769761"/>
           </a:xfrm>
           <a:prstGeom prst="roundRect">
             <a:avLst/>
@@ -6226,9 +6229,8 @@
           <a:bodyPr rtlCol="0" anchor="ctr"/>
           <a:lstStyle/>
           <a:p>
-            <a:pPr algn="ctr"/>
             <a:r>
-              <a:rPr lang="en-US" b="1" dirty="0">
+              <a:rPr lang="en-US" sz="2000" b="1" dirty="0">
                 <a:solidFill>
                   <a:schemeClr val="bg1">
                     <a:lumMod val="65000"/>
@@ -6236,7 +6238,7 @@
                 </a:solidFill>
                 <a:latin typeface="Times" pitchFamily="2" charset="0"/>
               </a:rPr>
-              <a:t>Distributed Consensus Learning </a:t>
+              <a:t>   Large-Scale Training: Distributed Consensus Learning</a:t>
             </a:r>
           </a:p>
         </p:txBody>
@@ -6255,8 +6257,8 @@
         </p:nvSpPr>
         <p:spPr>
           <a:xfrm>
-            <a:off x="8076537" y="2584174"/>
-            <a:ext cx="1808921" cy="2723322"/>
+            <a:off x="2516352" y="3412702"/>
+            <a:ext cx="7847810" cy="769761"/>
           </a:xfrm>
           <a:prstGeom prst="roundRect">
             <a:avLst/>
@@ -6287,9 +6289,8 @@
           <a:bodyPr rtlCol="0" anchor="ctr"/>
           <a:lstStyle/>
           <a:p>
-            <a:pPr algn="ctr"/>
             <a:r>
-              <a:rPr lang="en-US" b="1" dirty="0">
+              <a:rPr lang="en-US" sz="2000" b="1" dirty="0">
                 <a:solidFill>
                   <a:schemeClr val="bg1">
                     <a:lumMod val="65000"/>
@@ -6297,7 +6298,7 @@
                 </a:solidFill>
                 <a:latin typeface="Times" pitchFamily="2" charset="0"/>
               </a:rPr>
-              <a:t>Policy Eval. in Reinforcement Learning</a:t>
+              <a:t>   Reinforcement Learning: Policy Evaluation</a:t>
             </a:r>
           </a:p>
         </p:txBody>
@@ -6316,6 +6317,316 @@
 </file>
 
 <file path=ppt/slides/slide12.xml><?xml version="1.0" encoding="utf-8"?>
+<p:sld xmlns:a="http://schemas.openxmlformats.org/drawingml/2006/main" xmlns:r="http://schemas.openxmlformats.org/officeDocument/2006/relationships" xmlns:p="http://schemas.openxmlformats.org/presentationml/2006/main">
+  <p:cSld>
+    <p:spTree>
+      <p:nvGrpSpPr>
+        <p:cNvPr id="1" name=""/>
+        <p:cNvGrpSpPr/>
+        <p:nvPr/>
+      </p:nvGrpSpPr>
+      <p:grpSpPr>
+        <a:xfrm>
+          <a:off x="0" y="0"/>
+          <a:ext cx="0" cy="0"/>
+          <a:chOff x="0" y="0"/>
+          <a:chExt cx="0" cy="0"/>
+        </a:xfrm>
+      </p:grpSpPr>
+      <p:grpSp>
+        <p:nvGrpSpPr>
+          <p:cNvPr id="4" name="Group 3">
+            <a:extLst>
+              <a:ext uri="{FF2B5EF4-FFF2-40B4-BE49-F238E27FC236}">
+                <a16:creationId xmlns:a16="http://schemas.microsoft.com/office/drawing/2014/main" id="{89AF68E0-681F-8349-BA51-B91C6F563D7D}"/>
+              </a:ext>
+            </a:extLst>
+          </p:cNvPr>
+          <p:cNvGrpSpPr/>
+          <p:nvPr/>
+        </p:nvGrpSpPr>
+        <p:grpSpPr>
+          <a:xfrm>
+            <a:off x="1919870" y="509206"/>
+            <a:ext cx="8778240" cy="5307496"/>
+            <a:chOff x="2118653" y="151398"/>
+            <a:chExt cx="8778240" cy="5307496"/>
+          </a:xfrm>
+        </p:grpSpPr>
+        <p:sp>
+          <p:nvSpPr>
+            <p:cNvPr id="2" name="Rounded Rectangle 1">
+              <a:extLst>
+                <a:ext uri="{FF2B5EF4-FFF2-40B4-BE49-F238E27FC236}">
+                  <a16:creationId xmlns:a16="http://schemas.microsoft.com/office/drawing/2014/main" id="{69017E90-562D-2A43-8B30-C388FEA9E208}"/>
+                </a:ext>
+              </a:extLst>
+            </p:cNvPr>
+            <p:cNvSpPr/>
+            <p:nvPr/>
+          </p:nvSpPr>
+          <p:spPr>
+            <a:xfrm>
+              <a:off x="2118653" y="151398"/>
+              <a:ext cx="8778240" cy="5307496"/>
+            </a:xfrm>
+            <a:prstGeom prst="roundRect">
+              <a:avLst/>
+            </a:prstGeom>
+            <a:ln w="38100">
+              <a:solidFill>
+                <a:schemeClr val="tx1"/>
+              </a:solidFill>
+            </a:ln>
+          </p:spPr>
+          <p:style>
+            <a:lnRef idx="2">
+              <a:schemeClr val="accent6"/>
+            </a:lnRef>
+            <a:fillRef idx="1">
+              <a:schemeClr val="lt1"/>
+            </a:fillRef>
+            <a:effectRef idx="0">
+              <a:schemeClr val="accent6"/>
+            </a:effectRef>
+            <a:fontRef idx="minor">
+              <a:schemeClr val="dk1"/>
+            </a:fontRef>
+          </p:style>
+          <p:txBody>
+            <a:bodyPr rtlCol="0" anchor="ctr"/>
+            <a:lstStyle/>
+            <a:p>
+              <a:pPr algn="ctr"/>
+              <a:endParaRPr lang="en-US" dirty="0"/>
+            </a:p>
+          </p:txBody>
+        </p:sp>
+        <p:sp>
+          <p:nvSpPr>
+            <p:cNvPr id="3" name="TextBox 2">
+              <a:extLst>
+                <a:ext uri="{FF2B5EF4-FFF2-40B4-BE49-F238E27FC236}">
+                  <a16:creationId xmlns:a16="http://schemas.microsoft.com/office/drawing/2014/main" id="{7CDBAF53-3275-1C47-B8DD-C68DADD3FCC2}"/>
+                </a:ext>
+              </a:extLst>
+            </p:cNvPr>
+            <p:cNvSpPr txBox="1"/>
+            <p:nvPr/>
+          </p:nvSpPr>
+          <p:spPr>
+            <a:xfrm>
+              <a:off x="2715135" y="657802"/>
+              <a:ext cx="7847810" cy="584775"/>
+            </a:xfrm>
+            <a:prstGeom prst="rect">
+              <a:avLst/>
+            </a:prstGeom>
+            <a:noFill/>
+          </p:spPr>
+          <p:txBody>
+            <a:bodyPr wrap="square" rtlCol="0">
+              <a:spAutoFit/>
+            </a:bodyPr>
+            <a:lstStyle/>
+            <a:p>
+              <a:pPr algn="ctr"/>
+              <a:r>
+                <a:rPr lang="en-US" sz="3200" dirty="0">
+                  <a:latin typeface="Times" pitchFamily="2" charset="0"/>
+                </a:rPr>
+                <a:t>Statistical Machine Learning &amp; Data Science </a:t>
+              </a:r>
+            </a:p>
+          </p:txBody>
+        </p:sp>
+      </p:grpSp>
+      <p:sp>
+        <p:nvSpPr>
+          <p:cNvPr id="5" name="Rounded Rectangle 4">
+            <a:extLst>
+              <a:ext uri="{FF2B5EF4-FFF2-40B4-BE49-F238E27FC236}">
+                <a16:creationId xmlns:a16="http://schemas.microsoft.com/office/drawing/2014/main" id="{C443EAE8-DDCE-5243-A913-5BF890E232AC}"/>
+              </a:ext>
+            </a:extLst>
+          </p:cNvPr>
+          <p:cNvSpPr/>
+          <p:nvPr/>
+        </p:nvSpPr>
+        <p:spPr>
+          <a:xfrm>
+            <a:off x="2516352" y="2202039"/>
+            <a:ext cx="7847810" cy="769761"/>
+          </a:xfrm>
+          <a:prstGeom prst="roundRect">
+            <a:avLst/>
+          </a:prstGeom>
+          <a:ln w="38100">
+            <a:solidFill>
+              <a:schemeClr val="bg1">
+                <a:lumMod val="65000"/>
+              </a:schemeClr>
+            </a:solidFill>
+          </a:ln>
+        </p:spPr>
+        <p:style>
+          <a:lnRef idx="2">
+            <a:schemeClr val="accent6"/>
+          </a:lnRef>
+          <a:fillRef idx="1">
+            <a:schemeClr val="lt1"/>
+          </a:fillRef>
+          <a:effectRef idx="0">
+            <a:schemeClr val="accent6"/>
+          </a:effectRef>
+          <a:fontRef idx="minor">
+            <a:schemeClr val="dk1"/>
+          </a:fontRef>
+        </p:style>
+        <p:txBody>
+          <a:bodyPr rtlCol="0" anchor="ctr"/>
+          <a:lstStyle/>
+          <a:p>
+            <a:r>
+              <a:rPr lang="en-US" sz="2000" b="1" dirty="0">
+                <a:solidFill>
+                  <a:schemeClr val="bg1">
+                    <a:lumMod val="65000"/>
+                  </a:schemeClr>
+                </a:solidFill>
+                <a:latin typeface="Times" pitchFamily="2" charset="0"/>
+              </a:rPr>
+              <a:t>   Sparsity Learning: Clustered-Coefficient Regression </a:t>
+            </a:r>
+          </a:p>
+        </p:txBody>
+      </p:sp>
+      <p:sp>
+        <p:nvSpPr>
+          <p:cNvPr id="42" name="Rounded Rectangle 41">
+            <a:extLst>
+              <a:ext uri="{FF2B5EF4-FFF2-40B4-BE49-F238E27FC236}">
+                <a16:creationId xmlns:a16="http://schemas.microsoft.com/office/drawing/2014/main" id="{19FEE860-2077-3940-913A-8FF1F0BA37FF}"/>
+              </a:ext>
+            </a:extLst>
+          </p:cNvPr>
+          <p:cNvSpPr/>
+          <p:nvPr/>
+        </p:nvSpPr>
+        <p:spPr>
+          <a:xfrm>
+            <a:off x="2516352" y="4559988"/>
+            <a:ext cx="7847810" cy="769761"/>
+          </a:xfrm>
+          <a:prstGeom prst="roundRect">
+            <a:avLst/>
+          </a:prstGeom>
+          <a:ln w="38100">
+            <a:solidFill>
+              <a:schemeClr val="tx1"/>
+            </a:solidFill>
+          </a:ln>
+        </p:spPr>
+        <p:style>
+          <a:lnRef idx="2">
+            <a:schemeClr val="accent6"/>
+          </a:lnRef>
+          <a:fillRef idx="1">
+            <a:schemeClr val="lt1"/>
+          </a:fillRef>
+          <a:effectRef idx="0">
+            <a:schemeClr val="accent6"/>
+          </a:effectRef>
+          <a:fontRef idx="minor">
+            <a:schemeClr val="dk1"/>
+          </a:fontRef>
+        </p:style>
+        <p:txBody>
+          <a:bodyPr rtlCol="0" anchor="ctr"/>
+          <a:lstStyle/>
+          <a:p>
+            <a:r>
+              <a:rPr lang="en-US" sz="2000" b="1" dirty="0">
+                <a:solidFill>
+                  <a:schemeClr val="tx1"/>
+                </a:solidFill>
+                <a:latin typeface="Times" pitchFamily="2" charset="0"/>
+              </a:rPr>
+              <a:t>   Large Scale Training: Distributed Consensus Learning</a:t>
+            </a:r>
+          </a:p>
+        </p:txBody>
+      </p:sp>
+      <p:sp>
+        <p:nvSpPr>
+          <p:cNvPr id="43" name="Rounded Rectangle 42">
+            <a:extLst>
+              <a:ext uri="{FF2B5EF4-FFF2-40B4-BE49-F238E27FC236}">
+                <a16:creationId xmlns:a16="http://schemas.microsoft.com/office/drawing/2014/main" id="{3569396A-C2AC-B24C-9792-DDDBBDFD5D9E}"/>
+              </a:ext>
+            </a:extLst>
+          </p:cNvPr>
+          <p:cNvSpPr/>
+          <p:nvPr/>
+        </p:nvSpPr>
+        <p:spPr>
+          <a:xfrm>
+            <a:off x="2516352" y="3381013"/>
+            <a:ext cx="7847810" cy="769761"/>
+          </a:xfrm>
+          <a:prstGeom prst="roundRect">
+            <a:avLst/>
+          </a:prstGeom>
+          <a:ln w="38100">
+            <a:solidFill>
+              <a:schemeClr val="tx1"/>
+            </a:solidFill>
+          </a:ln>
+        </p:spPr>
+        <p:style>
+          <a:lnRef idx="2">
+            <a:schemeClr val="accent6"/>
+          </a:lnRef>
+          <a:fillRef idx="1">
+            <a:schemeClr val="lt1"/>
+          </a:fillRef>
+          <a:effectRef idx="0">
+            <a:schemeClr val="accent6"/>
+          </a:effectRef>
+          <a:fontRef idx="minor">
+            <a:schemeClr val="dk1"/>
+          </a:fontRef>
+        </p:style>
+        <p:txBody>
+          <a:bodyPr rtlCol="0" anchor="ctr"/>
+          <a:lstStyle/>
+          <a:p>
+            <a:r>
+              <a:rPr lang="en-US" sz="2000" b="1" dirty="0">
+                <a:solidFill>
+                  <a:schemeClr val="tx1"/>
+                </a:solidFill>
+                <a:latin typeface="Times" pitchFamily="2" charset="0"/>
+              </a:rPr>
+              <a:t>   Reinforcement Learning: Policy Evaluation</a:t>
+            </a:r>
+          </a:p>
+        </p:txBody>
+      </p:sp>
+    </p:spTree>
+    <p:extLst>
+      <p:ext uri="{BB962C8B-B14F-4D97-AF65-F5344CB8AC3E}">
+        <p14:creationId xmlns:p14="http://schemas.microsoft.com/office/powerpoint/2010/main" val="1288101907"/>
+      </p:ext>
+    </p:extLst>
+  </p:cSld>
+  <p:clrMapOvr>
+    <a:masterClrMapping/>
+  </p:clrMapOvr>
+</p:sld>
+</file>
+
+<file path=ppt/slides/slide13.xml><?xml version="1.0" encoding="utf-8"?>
 <p:sld xmlns:a="http://schemas.openxmlformats.org/drawingml/2006/main" xmlns:r="http://schemas.openxmlformats.org/officeDocument/2006/relationships" xmlns:p="http://schemas.openxmlformats.org/presentationml/2006/main">
   <p:cSld>
     <p:spTree>
@@ -7204,7 +7515,7 @@
 </p:sld>
 </file>
 
-<file path=ppt/slides/slide13.xml><?xml version="1.0" encoding="utf-8"?>
+<file path=ppt/slides/slide14.xml><?xml version="1.0" encoding="utf-8"?>
 <p:sld xmlns:a="http://schemas.openxmlformats.org/drawingml/2006/main" xmlns:r="http://schemas.openxmlformats.org/officeDocument/2006/relationships" xmlns:p="http://schemas.openxmlformats.org/presentationml/2006/main">
   <p:cSld>
     <p:spTree>

--- a/images/System.pptx
+++ b/images/System.pptx
@@ -19,6 +19,7 @@
     <p:sldId id="269" r:id="rId13"/>
     <p:sldId id="260" r:id="rId14"/>
     <p:sldId id="268" r:id="rId15"/>
+    <p:sldId id="270" r:id="rId16"/>
   </p:sldIdLst>
   <p:sldSz cx="12192000" cy="6858000"/>
   <p:notesSz cx="6858000" cy="9144000"/>
@@ -272,7 +273,7 @@
           <a:p>
             <a:fld id="{2BB77936-6B44-3A4A-A40A-910453EF96EF}" type="datetimeFigureOut">
               <a:rPr lang="en-US" smtClean="0"/>
-              <a:t>4/24/22</a:t>
+              <a:t>5/31/22</a:t>
             </a:fld>
             <a:endParaRPr lang="en-US"/>
           </a:p>
@@ -470,7 +471,7 @@
           <a:p>
             <a:fld id="{2BB77936-6B44-3A4A-A40A-910453EF96EF}" type="datetimeFigureOut">
               <a:rPr lang="en-US" smtClean="0"/>
-              <a:t>4/24/22</a:t>
+              <a:t>5/31/22</a:t>
             </a:fld>
             <a:endParaRPr lang="en-US"/>
           </a:p>
@@ -678,7 +679,7 @@
           <a:p>
             <a:fld id="{2BB77936-6B44-3A4A-A40A-910453EF96EF}" type="datetimeFigureOut">
               <a:rPr lang="en-US" smtClean="0"/>
-              <a:t>4/24/22</a:t>
+              <a:t>5/31/22</a:t>
             </a:fld>
             <a:endParaRPr lang="en-US"/>
           </a:p>
@@ -876,7 +877,7 @@
           <a:p>
             <a:fld id="{2BB77936-6B44-3A4A-A40A-910453EF96EF}" type="datetimeFigureOut">
               <a:rPr lang="en-US" smtClean="0"/>
-              <a:t>4/24/22</a:t>
+              <a:t>5/31/22</a:t>
             </a:fld>
             <a:endParaRPr lang="en-US"/>
           </a:p>
@@ -1151,7 +1152,7 @@
           <a:p>
             <a:fld id="{2BB77936-6B44-3A4A-A40A-910453EF96EF}" type="datetimeFigureOut">
               <a:rPr lang="en-US" smtClean="0"/>
-              <a:t>4/24/22</a:t>
+              <a:t>5/31/22</a:t>
             </a:fld>
             <a:endParaRPr lang="en-US"/>
           </a:p>
@@ -1416,7 +1417,7 @@
           <a:p>
             <a:fld id="{2BB77936-6B44-3A4A-A40A-910453EF96EF}" type="datetimeFigureOut">
               <a:rPr lang="en-US" smtClean="0"/>
-              <a:t>4/24/22</a:t>
+              <a:t>5/31/22</a:t>
             </a:fld>
             <a:endParaRPr lang="en-US"/>
           </a:p>
@@ -1828,7 +1829,7 @@
           <a:p>
             <a:fld id="{2BB77936-6B44-3A4A-A40A-910453EF96EF}" type="datetimeFigureOut">
               <a:rPr lang="en-US" smtClean="0"/>
-              <a:t>4/24/22</a:t>
+              <a:t>5/31/22</a:t>
             </a:fld>
             <a:endParaRPr lang="en-US"/>
           </a:p>
@@ -1969,7 +1970,7 @@
           <a:p>
             <a:fld id="{2BB77936-6B44-3A4A-A40A-910453EF96EF}" type="datetimeFigureOut">
               <a:rPr lang="en-US" smtClean="0"/>
-              <a:t>4/24/22</a:t>
+              <a:t>5/31/22</a:t>
             </a:fld>
             <a:endParaRPr lang="en-US"/>
           </a:p>
@@ -2082,7 +2083,7 @@
           <a:p>
             <a:fld id="{2BB77936-6B44-3A4A-A40A-910453EF96EF}" type="datetimeFigureOut">
               <a:rPr lang="en-US" smtClean="0"/>
-              <a:t>4/24/22</a:t>
+              <a:t>5/31/22</a:t>
             </a:fld>
             <a:endParaRPr lang="en-US"/>
           </a:p>
@@ -2393,7 +2394,7 @@
           <a:p>
             <a:fld id="{2BB77936-6B44-3A4A-A40A-910453EF96EF}" type="datetimeFigureOut">
               <a:rPr lang="en-US" smtClean="0"/>
-              <a:t>4/24/22</a:t>
+              <a:t>5/31/22</a:t>
             </a:fld>
             <a:endParaRPr lang="en-US"/>
           </a:p>
@@ -2681,7 +2682,7 @@
           <a:p>
             <a:fld id="{2BB77936-6B44-3A4A-A40A-910453EF96EF}" type="datetimeFigureOut">
               <a:rPr lang="en-US" smtClean="0"/>
-              <a:t>4/24/22</a:t>
+              <a:t>5/31/22</a:t>
             </a:fld>
             <a:endParaRPr lang="en-US"/>
           </a:p>
@@ -2922,7 +2923,7 @@
           <a:p>
             <a:fld id="{2BB77936-6B44-3A4A-A40A-910453EF96EF}" type="datetimeFigureOut">
               <a:rPr lang="en-US" smtClean="0"/>
-              <a:t>4/24/22</a:t>
+              <a:t>5/31/22</a:t>
             </a:fld>
             <a:endParaRPr lang="en-US"/>
           </a:p>
@@ -7969,6 +7970,2764 @@
 </p:sld>
 </file>
 
+<file path=ppt/slides/slide15.xml><?xml version="1.0" encoding="utf-8"?>
+<p:sld xmlns:a="http://schemas.openxmlformats.org/drawingml/2006/main" xmlns:r="http://schemas.openxmlformats.org/officeDocument/2006/relationships" xmlns:p="http://schemas.openxmlformats.org/presentationml/2006/main">
+  <p:cSld>
+    <p:spTree>
+      <p:nvGrpSpPr>
+        <p:cNvPr id="1" name=""/>
+        <p:cNvGrpSpPr/>
+        <p:nvPr/>
+      </p:nvGrpSpPr>
+      <p:grpSpPr>
+        <a:xfrm>
+          <a:off x="0" y="0"/>
+          <a:ext cx="0" cy="0"/>
+          <a:chOff x="0" y="0"/>
+          <a:chExt cx="0" cy="0"/>
+        </a:xfrm>
+      </p:grpSpPr>
+      <p:sp>
+        <p:nvSpPr>
+          <p:cNvPr id="112" name="Oval 111">
+            <a:extLst>
+              <a:ext uri="{FF2B5EF4-FFF2-40B4-BE49-F238E27FC236}">
+                <a16:creationId xmlns:a16="http://schemas.microsoft.com/office/drawing/2014/main" id="{81AF917D-7AF5-D8F5-61B3-891A82ECDC04}"/>
+              </a:ext>
+            </a:extLst>
+          </p:cNvPr>
+          <p:cNvSpPr/>
+          <p:nvPr/>
+        </p:nvSpPr>
+        <p:spPr>
+          <a:xfrm>
+            <a:off x="6481496" y="255405"/>
+            <a:ext cx="2466436" cy="369332"/>
+          </a:xfrm>
+          <a:prstGeom prst="ellipse">
+            <a:avLst/>
+          </a:prstGeom>
+          <a:ln w="25400">
+            <a:solidFill>
+              <a:schemeClr val="tx1"/>
+            </a:solidFill>
+          </a:ln>
+        </p:spPr>
+        <p:style>
+          <a:lnRef idx="2">
+            <a:schemeClr val="accent6"/>
+          </a:lnRef>
+          <a:fillRef idx="1">
+            <a:schemeClr val="lt1"/>
+          </a:fillRef>
+          <a:effectRef idx="0">
+            <a:schemeClr val="accent6"/>
+          </a:effectRef>
+          <a:fontRef idx="minor">
+            <a:schemeClr val="dk1"/>
+          </a:fontRef>
+        </p:style>
+        <p:txBody>
+          <a:bodyPr rtlCol="0" anchor="ctr"/>
+          <a:lstStyle/>
+          <a:p>
+            <a:pPr algn="ctr"/>
+            <a:endParaRPr lang="en-US" dirty="0">
+              <a:latin typeface="Times" pitchFamily="2" charset="0"/>
+            </a:endParaRPr>
+          </a:p>
+        </p:txBody>
+      </p:sp>
+      <p:sp>
+        <p:nvSpPr>
+          <p:cNvPr id="107" name="Rectangle 106">
+            <a:extLst>
+              <a:ext uri="{FF2B5EF4-FFF2-40B4-BE49-F238E27FC236}">
+                <a16:creationId xmlns:a16="http://schemas.microsoft.com/office/drawing/2014/main" id="{09528570-1430-E541-35F8-590B02097424}"/>
+              </a:ext>
+            </a:extLst>
+          </p:cNvPr>
+          <p:cNvSpPr/>
+          <p:nvPr/>
+        </p:nvSpPr>
+        <p:spPr>
+          <a:xfrm>
+            <a:off x="2222500" y="4024835"/>
+            <a:ext cx="8724900" cy="2763074"/>
+          </a:xfrm>
+          <a:prstGeom prst="rect">
+            <a:avLst/>
+          </a:prstGeom>
+          <a:ln w="25400">
+            <a:solidFill>
+              <a:schemeClr val="bg1">
+                <a:lumMod val="75000"/>
+              </a:schemeClr>
+            </a:solidFill>
+            <a:prstDash val="dash"/>
+          </a:ln>
+        </p:spPr>
+        <p:style>
+          <a:lnRef idx="2">
+            <a:schemeClr val="accent6"/>
+          </a:lnRef>
+          <a:fillRef idx="1">
+            <a:schemeClr val="lt1"/>
+          </a:fillRef>
+          <a:effectRef idx="0">
+            <a:schemeClr val="accent6"/>
+          </a:effectRef>
+          <a:fontRef idx="minor">
+            <a:schemeClr val="dk1"/>
+          </a:fontRef>
+        </p:style>
+        <p:txBody>
+          <a:bodyPr rtlCol="0" anchor="ctr"/>
+          <a:lstStyle/>
+          <a:p>
+            <a:pPr algn="ctr"/>
+            <a:endParaRPr lang="en-US" dirty="0">
+              <a:latin typeface="Times" pitchFamily="2" charset="0"/>
+            </a:endParaRPr>
+          </a:p>
+        </p:txBody>
+      </p:sp>
+      <p:sp>
+        <p:nvSpPr>
+          <p:cNvPr id="106" name="Rectangle 105">
+            <a:extLst>
+              <a:ext uri="{FF2B5EF4-FFF2-40B4-BE49-F238E27FC236}">
+                <a16:creationId xmlns:a16="http://schemas.microsoft.com/office/drawing/2014/main" id="{1A3AB3EE-9900-613D-DF3A-312C62AB2CA7}"/>
+              </a:ext>
+            </a:extLst>
+          </p:cNvPr>
+          <p:cNvSpPr/>
+          <p:nvPr/>
+        </p:nvSpPr>
+        <p:spPr>
+          <a:xfrm>
+            <a:off x="2222500" y="2779705"/>
+            <a:ext cx="8724900" cy="944124"/>
+          </a:xfrm>
+          <a:prstGeom prst="rect">
+            <a:avLst/>
+          </a:prstGeom>
+          <a:ln w="25400">
+            <a:solidFill>
+              <a:schemeClr val="bg1">
+                <a:lumMod val="75000"/>
+              </a:schemeClr>
+            </a:solidFill>
+            <a:prstDash val="dash"/>
+          </a:ln>
+        </p:spPr>
+        <p:style>
+          <a:lnRef idx="2">
+            <a:schemeClr val="accent6"/>
+          </a:lnRef>
+          <a:fillRef idx="1">
+            <a:schemeClr val="lt1"/>
+          </a:fillRef>
+          <a:effectRef idx="0">
+            <a:schemeClr val="accent6"/>
+          </a:effectRef>
+          <a:fontRef idx="minor">
+            <a:schemeClr val="dk1"/>
+          </a:fontRef>
+        </p:style>
+        <p:txBody>
+          <a:bodyPr rtlCol="0" anchor="ctr"/>
+          <a:lstStyle/>
+          <a:p>
+            <a:pPr algn="ctr"/>
+            <a:endParaRPr lang="en-US" dirty="0">
+              <a:latin typeface="Times" pitchFamily="2" charset="0"/>
+            </a:endParaRPr>
+          </a:p>
+        </p:txBody>
+      </p:sp>
+      <p:sp>
+        <p:nvSpPr>
+          <p:cNvPr id="104" name="Rectangle 103">
+            <a:extLst>
+              <a:ext uri="{FF2B5EF4-FFF2-40B4-BE49-F238E27FC236}">
+                <a16:creationId xmlns:a16="http://schemas.microsoft.com/office/drawing/2014/main" id="{4369B7D0-587B-AC80-7CCA-E2E6AADF9976}"/>
+              </a:ext>
+            </a:extLst>
+          </p:cNvPr>
+          <p:cNvSpPr/>
+          <p:nvPr/>
+        </p:nvSpPr>
+        <p:spPr>
+          <a:xfrm>
+            <a:off x="2222500" y="785807"/>
+            <a:ext cx="8724900" cy="1624127"/>
+          </a:xfrm>
+          <a:prstGeom prst="rect">
+            <a:avLst/>
+          </a:prstGeom>
+          <a:ln w="25400">
+            <a:solidFill>
+              <a:schemeClr val="bg1">
+                <a:lumMod val="75000"/>
+              </a:schemeClr>
+            </a:solidFill>
+            <a:prstDash val="dash"/>
+          </a:ln>
+        </p:spPr>
+        <p:style>
+          <a:lnRef idx="2">
+            <a:schemeClr val="accent6"/>
+          </a:lnRef>
+          <a:fillRef idx="1">
+            <a:schemeClr val="lt1"/>
+          </a:fillRef>
+          <a:effectRef idx="0">
+            <a:schemeClr val="accent6"/>
+          </a:effectRef>
+          <a:fontRef idx="minor">
+            <a:schemeClr val="dk1"/>
+          </a:fontRef>
+        </p:style>
+        <p:txBody>
+          <a:bodyPr rtlCol="0" anchor="ctr"/>
+          <a:lstStyle/>
+          <a:p>
+            <a:pPr algn="ctr"/>
+            <a:endParaRPr lang="en-US" dirty="0">
+              <a:latin typeface="Times" pitchFamily="2" charset="0"/>
+            </a:endParaRPr>
+          </a:p>
+        </p:txBody>
+      </p:sp>
+      <mc:AlternateContent xmlns:mc="http://schemas.openxmlformats.org/markup-compatibility/2006">
+        <mc:Choice xmlns:a14="http://schemas.microsoft.com/office/drawing/2010/main" Requires="a14">
+          <p:sp>
+            <p:nvSpPr>
+              <p:cNvPr id="16" name="Rounded Rectangle 15">
+                <a:extLst>
+                  <a:ext uri="{FF2B5EF4-FFF2-40B4-BE49-F238E27FC236}">
+                    <a16:creationId xmlns:a16="http://schemas.microsoft.com/office/drawing/2014/main" id="{232BF92F-61A7-CC9A-5313-5DC9DAC6555A}"/>
+                  </a:ext>
+                </a:extLst>
+              </p:cNvPr>
+              <p:cNvSpPr/>
+              <p:nvPr/>
+            </p:nvSpPr>
+            <p:spPr>
+              <a:xfrm>
+                <a:off x="5759648" y="981236"/>
+                <a:ext cx="3910132" cy="504499"/>
+              </a:xfrm>
+              <a:prstGeom prst="roundRect">
+                <a:avLst/>
+              </a:prstGeom>
+              <a:ln w="25400">
+                <a:solidFill>
+                  <a:schemeClr val="tx1"/>
+                </a:solidFill>
+              </a:ln>
+            </p:spPr>
+            <p:style>
+              <a:lnRef idx="2">
+                <a:schemeClr val="accent6"/>
+              </a:lnRef>
+              <a:fillRef idx="1">
+                <a:schemeClr val="lt1"/>
+              </a:fillRef>
+              <a:effectRef idx="0">
+                <a:schemeClr val="accent6"/>
+              </a:effectRef>
+              <a:fontRef idx="minor">
+                <a:schemeClr val="dk1"/>
+              </a:fontRef>
+            </p:style>
+            <p:txBody>
+              <a:bodyPr rtlCol="0" anchor="ctr"/>
+              <a:lstStyle/>
+              <a:p>
+                <a:pPr algn="ctr"/>
+                <a:r>
+                  <a:rPr lang="en-US" dirty="0">
+                    <a:latin typeface="Times" pitchFamily="2" charset="0"/>
+                  </a:rPr>
+                  <a:t>Learn Model: </a:t>
+                </a:r>
+                <a14:m>
+                  <m:oMath xmlns:m="http://schemas.openxmlformats.org/officeDocument/2006/math">
+                    <m:sSub>
+                      <m:sSubPr>
+                        <m:ctrlPr>
+                          <a:rPr lang="en-US" b="1" i="1" smtClean="0">
+                            <a:latin typeface="Cambria Math" panose="02040503050406030204" pitchFamily="18" charset="0"/>
+                            <a:ea typeface="Cambria Math" panose="02040503050406030204" pitchFamily="18" charset="0"/>
+                          </a:rPr>
+                        </m:ctrlPr>
+                      </m:sSubPr>
+                      <m:e>
+                        <m:r>
+                          <a:rPr lang="en-US" b="1" i="1" smtClean="0">
+                            <a:latin typeface="Cambria Math" panose="02040503050406030204" pitchFamily="18" charset="0"/>
+                            <a:ea typeface="Cambria Math" panose="02040503050406030204" pitchFamily="18" charset="0"/>
+                          </a:rPr>
+                          <m:t>𝒘</m:t>
+                        </m:r>
+                      </m:e>
+                      <m:sub>
+                        <m:r>
+                          <a:rPr lang="en-US" b="0" i="1" smtClean="0">
+                            <a:latin typeface="Cambria Math" panose="02040503050406030204" pitchFamily="18" charset="0"/>
+                            <a:ea typeface="Cambria Math" panose="02040503050406030204" pitchFamily="18" charset="0"/>
+                          </a:rPr>
+                          <m:t>0</m:t>
+                        </m:r>
+                      </m:sub>
+                    </m:sSub>
+                    <m:r>
+                      <a:rPr lang="en-US" b="0" i="1" smtClean="0">
+                        <a:latin typeface="Cambria Math" panose="02040503050406030204" pitchFamily="18" charset="0"/>
+                        <a:ea typeface="Cambria Math" panose="02040503050406030204" pitchFamily="18" charset="0"/>
+                      </a:rPr>
+                      <m:t>=</m:t>
+                    </m:r>
+                    <m:r>
+                      <m:rPr>
+                        <m:nor/>
+                      </m:rPr>
+                      <a:rPr lang="en-US" dirty="0">
+                        <a:latin typeface="Times" pitchFamily="2" charset="0"/>
+                      </a:rPr>
+                      <m:t>arg</m:t>
+                    </m:r>
+                    <m:r>
+                      <m:rPr>
+                        <m:nor/>
+                      </m:rPr>
+                      <a:rPr lang="en-US" dirty="0">
+                        <a:latin typeface="Times" pitchFamily="2" charset="0"/>
+                      </a:rPr>
+                      <m:t> </m:t>
+                    </m:r>
+                    <m:r>
+                      <m:rPr>
+                        <m:nor/>
+                      </m:rPr>
+                      <a:rPr lang="en-US" dirty="0">
+                        <a:latin typeface="Times" pitchFamily="2" charset="0"/>
+                      </a:rPr>
+                      <m:t>min</m:t>
+                    </m:r>
+                  </m:oMath>
+                </a14:m>
+                <a:r>
+                  <a:rPr lang="en-US" dirty="0">
+                    <a:latin typeface="Times" pitchFamily="2" charset="0"/>
+                  </a:rPr>
+                  <a:t> </a:t>
+                </a:r>
+                <a14:m>
+                  <m:oMath xmlns:m="http://schemas.openxmlformats.org/officeDocument/2006/math">
+                    <m:r>
+                      <a:rPr lang="en-US" b="0" i="1" dirty="0" smtClean="0">
+                        <a:latin typeface="Cambria Math" panose="02040503050406030204" pitchFamily="18" charset="0"/>
+                      </a:rPr>
+                      <m:t>𝑙</m:t>
+                    </m:r>
+                    <m:r>
+                      <a:rPr lang="en-US" b="0" i="1" dirty="0" smtClean="0">
+                        <a:latin typeface="Cambria Math" panose="02040503050406030204" pitchFamily="18" charset="0"/>
+                      </a:rPr>
+                      <m:t>(</m:t>
+                    </m:r>
+                    <m:r>
+                      <a:rPr lang="en-US" b="1" i="1" dirty="0" smtClean="0">
+                        <a:latin typeface="Cambria Math" panose="02040503050406030204" pitchFamily="18" charset="0"/>
+                      </a:rPr>
+                      <m:t>𝒘</m:t>
+                    </m:r>
+                    <m:r>
+                      <a:rPr lang="en-US" b="0" i="1" dirty="0" smtClean="0">
+                        <a:latin typeface="Cambria Math" panose="02040503050406030204" pitchFamily="18" charset="0"/>
+                      </a:rPr>
+                      <m:t>,  </m:t>
+                    </m:r>
+                    <m:sSub>
+                      <m:sSubPr>
+                        <m:ctrlPr>
+                          <a:rPr lang="en-US" b="0" i="1" dirty="0" smtClean="0">
+                            <a:latin typeface="Cambria Math" panose="02040503050406030204" pitchFamily="18" charset="0"/>
+                          </a:rPr>
+                        </m:ctrlPr>
+                      </m:sSubPr>
+                      <m:e>
+                        <m:r>
+                          <a:rPr lang="en-US" b="0" i="1" dirty="0" smtClean="0">
+                            <a:latin typeface="Cambria Math" panose="02040503050406030204" pitchFamily="18" charset="0"/>
+                            <a:ea typeface="Cambria Math" panose="02040503050406030204" pitchFamily="18" charset="0"/>
+                          </a:rPr>
+                          <m:t>𝒟</m:t>
+                        </m:r>
+                      </m:e>
+                      <m:sub>
+                        <m:r>
+                          <a:rPr lang="en-US" b="0" i="1" dirty="0" smtClean="0">
+                            <a:latin typeface="Cambria Math" panose="02040503050406030204" pitchFamily="18" charset="0"/>
+                          </a:rPr>
+                          <m:t>0</m:t>
+                        </m:r>
+                      </m:sub>
+                    </m:sSub>
+                    <m:r>
+                      <a:rPr lang="en-US" b="0" i="1" dirty="0" smtClean="0">
+                        <a:latin typeface="Cambria Math" panose="02040503050406030204" pitchFamily="18" charset="0"/>
+                      </a:rPr>
+                      <m:t>)</m:t>
+                    </m:r>
+                  </m:oMath>
+                </a14:m>
+                <a:endParaRPr lang="en-US" dirty="0">
+                  <a:latin typeface="Times" pitchFamily="2" charset="0"/>
+                </a:endParaRPr>
+              </a:p>
+            </p:txBody>
+          </p:sp>
+        </mc:Choice>
+        <mc:Fallback>
+          <p:sp>
+            <p:nvSpPr>
+              <p:cNvPr id="16" name="Rounded Rectangle 15">
+                <a:extLst>
+                  <a:ext uri="{FF2B5EF4-FFF2-40B4-BE49-F238E27FC236}">
+                    <a16:creationId xmlns:a16="http://schemas.microsoft.com/office/drawing/2014/main" id="{232BF92F-61A7-CC9A-5313-5DC9DAC6555A}"/>
+                  </a:ext>
+                </a:extLst>
+              </p:cNvPr>
+              <p:cNvSpPr>
+                <a:spLocks noRot="1" noChangeAspect="1" noMove="1" noResize="1" noEditPoints="1" noAdjustHandles="1" noChangeArrowheads="1" noChangeShapeType="1" noTextEdit="1"/>
+              </p:cNvSpPr>
+              <p:nvPr/>
+            </p:nvSpPr>
+            <p:spPr>
+              <a:xfrm>
+                <a:off x="5759648" y="981236"/>
+                <a:ext cx="3910132" cy="504499"/>
+              </a:xfrm>
+              <a:prstGeom prst="roundRect">
+                <a:avLst/>
+              </a:prstGeom>
+              <a:blipFill>
+                <a:blip r:embed="rId2"/>
+                <a:stretch>
+                  <a:fillRect/>
+                </a:stretch>
+              </a:blipFill>
+              <a:ln w="25400">
+                <a:solidFill>
+                  <a:schemeClr val="tx1"/>
+                </a:solidFill>
+              </a:ln>
+            </p:spPr>
+            <p:txBody>
+              <a:bodyPr/>
+              <a:lstStyle/>
+              <a:p>
+                <a:r>
+                  <a:rPr lang="en-US">
+                    <a:noFill/>
+                  </a:rPr>
+                  <a:t> </a:t>
+                </a:r>
+              </a:p>
+            </p:txBody>
+          </p:sp>
+        </mc:Fallback>
+      </mc:AlternateContent>
+      <mc:AlternateContent xmlns:mc="http://schemas.openxmlformats.org/markup-compatibility/2006">
+        <mc:Choice xmlns:a14="http://schemas.microsoft.com/office/drawing/2010/main" Requires="a14">
+          <p:sp>
+            <p:nvSpPr>
+              <p:cNvPr id="23" name="Rounded Rectangle 22">
+                <a:extLst>
+                  <a:ext uri="{FF2B5EF4-FFF2-40B4-BE49-F238E27FC236}">
+                    <a16:creationId xmlns:a16="http://schemas.microsoft.com/office/drawing/2014/main" id="{D0A429BA-4C39-7050-9A9B-88E438833C2F}"/>
+                  </a:ext>
+                </a:extLst>
+              </p:cNvPr>
+              <p:cNvSpPr/>
+              <p:nvPr/>
+            </p:nvSpPr>
+            <p:spPr>
+              <a:xfrm>
+                <a:off x="6106851" y="3080711"/>
+                <a:ext cx="3215723" cy="502920"/>
+              </a:xfrm>
+              <a:prstGeom prst="roundRect">
+                <a:avLst/>
+              </a:prstGeom>
+              <a:ln w="25400">
+                <a:solidFill>
+                  <a:schemeClr val="tx1"/>
+                </a:solidFill>
+              </a:ln>
+            </p:spPr>
+            <p:style>
+              <a:lnRef idx="2">
+                <a:schemeClr val="accent6"/>
+              </a:lnRef>
+              <a:fillRef idx="1">
+                <a:schemeClr val="lt1"/>
+              </a:fillRef>
+              <a:effectRef idx="0">
+                <a:schemeClr val="accent6"/>
+              </a:effectRef>
+              <a:fontRef idx="minor">
+                <a:schemeClr val="dk1"/>
+              </a:fontRef>
+            </p:style>
+            <p:txBody>
+              <a:bodyPr rtlCol="0" anchor="ctr"/>
+              <a:lstStyle/>
+              <a:p>
+                <a:pPr algn="ctr"/>
+                <a:r>
+                  <a:rPr lang="en-US" dirty="0">
+                    <a:latin typeface="Times" pitchFamily="2" charset="0"/>
+                  </a:rPr>
+                  <a:t>Publish Model: </a:t>
+                </a:r>
+                <a14:m>
+                  <m:oMath xmlns:m="http://schemas.openxmlformats.org/officeDocument/2006/math">
+                    <m:acc>
+                      <m:accPr>
+                        <m:chr m:val="̃"/>
+                        <m:ctrlPr>
+                          <a:rPr lang="en-US" b="1" i="1" smtClean="0">
+                            <a:latin typeface="Cambria Math" panose="02040503050406030204" pitchFamily="18" charset="0"/>
+                            <a:ea typeface="Cambria Math" panose="02040503050406030204" pitchFamily="18" charset="0"/>
+                          </a:rPr>
+                        </m:ctrlPr>
+                      </m:accPr>
+                      <m:e>
+                        <m:r>
+                          <a:rPr lang="en-US" b="1" i="1" smtClean="0">
+                            <a:latin typeface="Cambria Math" panose="02040503050406030204" pitchFamily="18" charset="0"/>
+                            <a:ea typeface="Cambria Math" panose="02040503050406030204" pitchFamily="18" charset="0"/>
+                          </a:rPr>
+                          <m:t>𝒘</m:t>
+                        </m:r>
+                      </m:e>
+                    </m:acc>
+                    <m:r>
+                      <a:rPr lang="en-US" b="1" i="1" smtClean="0">
+                        <a:latin typeface="Cambria Math" panose="02040503050406030204" pitchFamily="18" charset="0"/>
+                        <a:ea typeface="Cambria Math" panose="02040503050406030204" pitchFamily="18" charset="0"/>
+                      </a:rPr>
+                      <m:t>=</m:t>
+                    </m:r>
+                    <m:r>
+                      <a:rPr lang="en-US" b="1" i="1" smtClean="0">
+                        <a:latin typeface="Cambria Math" panose="02040503050406030204" pitchFamily="18" charset="0"/>
+                        <a:ea typeface="Cambria Math" panose="02040503050406030204" pitchFamily="18" charset="0"/>
+                      </a:rPr>
+                      <m:t>𝒘</m:t>
+                    </m:r>
+                    <m:r>
+                      <a:rPr lang="en-US" b="1" i="1" smtClean="0">
+                        <a:latin typeface="Cambria Math" panose="02040503050406030204" pitchFamily="18" charset="0"/>
+                        <a:ea typeface="Cambria Math" panose="02040503050406030204" pitchFamily="18" charset="0"/>
+                      </a:rPr>
+                      <m:t>+</m:t>
+                    </m:r>
+                    <m:r>
+                      <a:rPr lang="en-US" b="1" i="1" smtClean="0">
+                        <a:latin typeface="Cambria Math" panose="02040503050406030204" pitchFamily="18" charset="0"/>
+                        <a:ea typeface="Cambria Math" panose="02040503050406030204" pitchFamily="18" charset="0"/>
+                      </a:rPr>
+                      <m:t>𝒃</m:t>
+                    </m:r>
+                  </m:oMath>
+                </a14:m>
+                <a:endParaRPr lang="en-US" dirty="0">
+                  <a:latin typeface="Times" pitchFamily="2" charset="0"/>
+                </a:endParaRPr>
+              </a:p>
+            </p:txBody>
+          </p:sp>
+        </mc:Choice>
+        <mc:Fallback>
+          <p:sp>
+            <p:nvSpPr>
+              <p:cNvPr id="23" name="Rounded Rectangle 22">
+                <a:extLst>
+                  <a:ext uri="{FF2B5EF4-FFF2-40B4-BE49-F238E27FC236}">
+                    <a16:creationId xmlns:a16="http://schemas.microsoft.com/office/drawing/2014/main" id="{D0A429BA-4C39-7050-9A9B-88E438833C2F}"/>
+                  </a:ext>
+                </a:extLst>
+              </p:cNvPr>
+              <p:cNvSpPr>
+                <a:spLocks noRot="1" noChangeAspect="1" noMove="1" noResize="1" noEditPoints="1" noAdjustHandles="1" noChangeArrowheads="1" noChangeShapeType="1" noTextEdit="1"/>
+              </p:cNvSpPr>
+              <p:nvPr/>
+            </p:nvSpPr>
+            <p:spPr>
+              <a:xfrm>
+                <a:off x="6106851" y="3080711"/>
+                <a:ext cx="3215723" cy="502920"/>
+              </a:xfrm>
+              <a:prstGeom prst="roundRect">
+                <a:avLst/>
+              </a:prstGeom>
+              <a:blipFill>
+                <a:blip r:embed="rId3"/>
+                <a:stretch>
+                  <a:fillRect/>
+                </a:stretch>
+              </a:blipFill>
+              <a:ln w="25400">
+                <a:solidFill>
+                  <a:schemeClr val="tx1"/>
+                </a:solidFill>
+              </a:ln>
+            </p:spPr>
+            <p:txBody>
+              <a:bodyPr/>
+              <a:lstStyle/>
+              <a:p>
+                <a:r>
+                  <a:rPr lang="en-US">
+                    <a:noFill/>
+                  </a:rPr>
+                  <a:t> </a:t>
+                </a:r>
+              </a:p>
+            </p:txBody>
+          </p:sp>
+        </mc:Fallback>
+      </mc:AlternateContent>
+      <p:sp>
+        <p:nvSpPr>
+          <p:cNvPr id="31" name="Rounded Rectangle 30">
+            <a:extLst>
+              <a:ext uri="{FF2B5EF4-FFF2-40B4-BE49-F238E27FC236}">
+                <a16:creationId xmlns:a16="http://schemas.microsoft.com/office/drawing/2014/main" id="{598974BB-E776-FE56-286E-B0D04AB3E7A5}"/>
+              </a:ext>
+            </a:extLst>
+          </p:cNvPr>
+          <p:cNvSpPr/>
+          <p:nvPr/>
+        </p:nvSpPr>
+        <p:spPr>
+          <a:xfrm>
+            <a:off x="9624735" y="3080711"/>
+            <a:ext cx="1219795" cy="502920"/>
+          </a:xfrm>
+          <a:prstGeom prst="roundRect">
+            <a:avLst/>
+          </a:prstGeom>
+          <a:ln w="25400">
+            <a:solidFill>
+              <a:schemeClr val="tx1"/>
+            </a:solidFill>
+          </a:ln>
+        </p:spPr>
+        <p:style>
+          <a:lnRef idx="2">
+            <a:schemeClr val="accent6"/>
+          </a:lnRef>
+          <a:fillRef idx="1">
+            <a:schemeClr val="lt1"/>
+          </a:fillRef>
+          <a:effectRef idx="0">
+            <a:schemeClr val="accent6"/>
+          </a:effectRef>
+          <a:fontRef idx="minor">
+            <a:schemeClr val="dk1"/>
+          </a:fontRef>
+        </p:style>
+        <p:txBody>
+          <a:bodyPr rtlCol="0" anchor="ctr"/>
+          <a:lstStyle/>
+          <a:p>
+            <a:pPr algn="ctr"/>
+            <a:r>
+              <a:rPr lang="en-US" dirty="0">
+                <a:latin typeface="Times" pitchFamily="2" charset="0"/>
+              </a:rPr>
+              <a:t>Predict</a:t>
+            </a:r>
+          </a:p>
+        </p:txBody>
+      </p:sp>
+      <mc:AlternateContent xmlns:mc="http://schemas.openxmlformats.org/markup-compatibility/2006">
+        <mc:Choice xmlns:a14="http://schemas.microsoft.com/office/drawing/2010/main" Requires="a14">
+          <p:sp>
+            <p:nvSpPr>
+              <p:cNvPr id="6" name="Rounded Rectangle 5">
+                <a:extLst>
+                  <a:ext uri="{FF2B5EF4-FFF2-40B4-BE49-F238E27FC236}">
+                    <a16:creationId xmlns:a16="http://schemas.microsoft.com/office/drawing/2014/main" id="{B223B8F8-D712-53CE-B202-DEB749977023}"/>
+                  </a:ext>
+                </a:extLst>
+              </p:cNvPr>
+              <p:cNvSpPr/>
+              <p:nvPr/>
+            </p:nvSpPr>
+            <p:spPr>
+              <a:xfrm>
+                <a:off x="5223109" y="1726074"/>
+                <a:ext cx="4983209" cy="504499"/>
+              </a:xfrm>
+              <a:prstGeom prst="roundRect">
+                <a:avLst/>
+              </a:prstGeom>
+              <a:ln w="25400">
+                <a:solidFill>
+                  <a:schemeClr val="tx1"/>
+                </a:solidFill>
+              </a:ln>
+            </p:spPr>
+            <p:style>
+              <a:lnRef idx="2">
+                <a:schemeClr val="accent6"/>
+              </a:lnRef>
+              <a:fillRef idx="1">
+                <a:schemeClr val="lt1"/>
+              </a:fillRef>
+              <a:effectRef idx="0">
+                <a:schemeClr val="accent6"/>
+              </a:effectRef>
+              <a:fontRef idx="minor">
+                <a:schemeClr val="dk1"/>
+              </a:fontRef>
+            </p:style>
+            <p:txBody>
+              <a:bodyPr rtlCol="0" anchor="ctr"/>
+              <a:lstStyle/>
+              <a:p>
+                <a:pPr algn="ctr"/>
+                <a:r>
+                  <a:rPr lang="en-US" dirty="0">
+                    <a:latin typeface="Times" pitchFamily="2" charset="0"/>
+                  </a:rPr>
+                  <a:t>Calculate </a:t>
+                </a:r>
+                <a14:m>
+                  <m:oMath xmlns:m="http://schemas.openxmlformats.org/officeDocument/2006/math">
+                    <m:sSub>
+                      <m:sSubPr>
+                        <m:ctrlPr>
+                          <a:rPr lang="en-US" i="1" smtClean="0">
+                            <a:latin typeface="Cambria Math" panose="02040503050406030204" pitchFamily="18" charset="0"/>
+                          </a:rPr>
+                        </m:ctrlPr>
+                      </m:sSubPr>
+                      <m:e>
+                        <m:r>
+                          <a:rPr lang="en-US" b="1" i="1" smtClean="0">
+                            <a:latin typeface="Cambria Math" panose="02040503050406030204" pitchFamily="18" charset="0"/>
+                          </a:rPr>
+                          <m:t>𝒈</m:t>
+                        </m:r>
+                      </m:e>
+                      <m:sub>
+                        <m:r>
+                          <a:rPr lang="en-US" b="0" i="1" smtClean="0">
+                            <a:latin typeface="Cambria Math" panose="02040503050406030204" pitchFamily="18" charset="0"/>
+                          </a:rPr>
+                          <m:t>0</m:t>
+                        </m:r>
+                      </m:sub>
+                    </m:sSub>
+                    <m:r>
+                      <a:rPr lang="en-US" b="0" i="1" smtClean="0">
+                        <a:latin typeface="Cambria Math" panose="02040503050406030204" pitchFamily="18" charset="0"/>
+                      </a:rPr>
+                      <m:t>, </m:t>
+                    </m:r>
+                    <m:sSub>
+                      <m:sSubPr>
+                        <m:ctrlPr>
+                          <a:rPr lang="en-US" b="0" i="1" smtClean="0">
+                            <a:latin typeface="Cambria Math" panose="02040503050406030204" pitchFamily="18" charset="0"/>
+                          </a:rPr>
+                        </m:ctrlPr>
+                      </m:sSubPr>
+                      <m:e>
+                        <m:r>
+                          <a:rPr lang="en-US" b="1" i="1" smtClean="0">
+                            <a:latin typeface="Cambria Math" panose="02040503050406030204" pitchFamily="18" charset="0"/>
+                          </a:rPr>
+                          <m:t>𝑯</m:t>
+                        </m:r>
+                      </m:e>
+                      <m:sub>
+                        <m:r>
+                          <a:rPr lang="en-US" b="0" i="1" smtClean="0">
+                            <a:latin typeface="Cambria Math" panose="02040503050406030204" pitchFamily="18" charset="0"/>
+                          </a:rPr>
+                          <m:t>0</m:t>
+                        </m:r>
+                      </m:sub>
+                    </m:sSub>
+                  </m:oMath>
+                </a14:m>
+                <a:r>
+                  <a:rPr lang="en-US" dirty="0">
+                    <a:latin typeface="Times" pitchFamily="2" charset="0"/>
+                  </a:rPr>
+                  <a:t> and Store </a:t>
+                </a:r>
+                <a14:m>
+                  <m:oMath xmlns:m="http://schemas.openxmlformats.org/officeDocument/2006/math">
+                    <m:r>
+                      <a:rPr lang="en-US" b="0" i="1" smtClean="0">
+                        <a:latin typeface="Cambria Math" panose="02040503050406030204" pitchFamily="18" charset="0"/>
+                      </a:rPr>
+                      <m:t>(</m:t>
+                    </m:r>
+                    <m:sSub>
+                      <m:sSubPr>
+                        <m:ctrlPr>
+                          <a:rPr lang="en-US" b="1" i="1">
+                            <a:latin typeface="Cambria Math" panose="02040503050406030204" pitchFamily="18" charset="0"/>
+                            <a:ea typeface="Cambria Math" panose="02040503050406030204" pitchFamily="18" charset="0"/>
+                          </a:rPr>
+                        </m:ctrlPr>
+                      </m:sSubPr>
+                      <m:e>
+                        <m:r>
+                          <a:rPr lang="en-US" b="1" i="1">
+                            <a:latin typeface="Cambria Math" panose="02040503050406030204" pitchFamily="18" charset="0"/>
+                            <a:ea typeface="Cambria Math" panose="02040503050406030204" pitchFamily="18" charset="0"/>
+                          </a:rPr>
+                          <m:t>𝒘</m:t>
+                        </m:r>
+                      </m:e>
+                      <m:sub>
+                        <m:r>
+                          <a:rPr lang="en-US" i="1">
+                            <a:latin typeface="Cambria Math" panose="02040503050406030204" pitchFamily="18" charset="0"/>
+                            <a:ea typeface="Cambria Math" panose="02040503050406030204" pitchFamily="18" charset="0"/>
+                          </a:rPr>
+                          <m:t>0</m:t>
+                        </m:r>
+                      </m:sub>
+                    </m:sSub>
+                    <m:r>
+                      <a:rPr lang="en-US" b="0" i="1" smtClean="0">
+                        <a:latin typeface="Cambria Math" panose="02040503050406030204" pitchFamily="18" charset="0"/>
+                        <a:ea typeface="Cambria Math" panose="02040503050406030204" pitchFamily="18" charset="0"/>
+                      </a:rPr>
+                      <m:t>,</m:t>
+                    </m:r>
+                    <m:sSub>
+                      <m:sSubPr>
+                        <m:ctrlPr>
+                          <a:rPr lang="en-US" i="1">
+                            <a:latin typeface="Cambria Math" panose="02040503050406030204" pitchFamily="18" charset="0"/>
+                          </a:rPr>
+                        </m:ctrlPr>
+                      </m:sSubPr>
+                      <m:e>
+                        <m:r>
+                          <a:rPr lang="en-US" b="1" i="1">
+                            <a:latin typeface="Cambria Math" panose="02040503050406030204" pitchFamily="18" charset="0"/>
+                          </a:rPr>
+                          <m:t>𝒈</m:t>
+                        </m:r>
+                      </m:e>
+                      <m:sub>
+                        <m:r>
+                          <a:rPr lang="en-US" i="1">
+                            <a:latin typeface="Cambria Math" panose="02040503050406030204" pitchFamily="18" charset="0"/>
+                          </a:rPr>
+                          <m:t>0</m:t>
+                        </m:r>
+                      </m:sub>
+                    </m:sSub>
+                    <m:r>
+                      <a:rPr lang="en-US" i="1">
+                        <a:latin typeface="Cambria Math" panose="02040503050406030204" pitchFamily="18" charset="0"/>
+                      </a:rPr>
+                      <m:t>, </m:t>
+                    </m:r>
+                    <m:sSub>
+                      <m:sSubPr>
+                        <m:ctrlPr>
+                          <a:rPr lang="en-US" i="1">
+                            <a:latin typeface="Cambria Math" panose="02040503050406030204" pitchFamily="18" charset="0"/>
+                          </a:rPr>
+                        </m:ctrlPr>
+                      </m:sSubPr>
+                      <m:e>
+                        <m:r>
+                          <a:rPr lang="en-US" b="1" i="1">
+                            <a:latin typeface="Cambria Math" panose="02040503050406030204" pitchFamily="18" charset="0"/>
+                          </a:rPr>
+                          <m:t>𝑯</m:t>
+                        </m:r>
+                      </m:e>
+                      <m:sub>
+                        <m:r>
+                          <a:rPr lang="en-US" i="1">
+                            <a:latin typeface="Cambria Math" panose="02040503050406030204" pitchFamily="18" charset="0"/>
+                          </a:rPr>
+                          <m:t>0</m:t>
+                        </m:r>
+                      </m:sub>
+                    </m:sSub>
+                    <m:r>
+                      <a:rPr lang="en-US" b="0" i="1" smtClean="0">
+                        <a:latin typeface="Cambria Math" panose="02040503050406030204" pitchFamily="18" charset="0"/>
+                      </a:rPr>
+                      <m:t>)</m:t>
+                    </m:r>
+                  </m:oMath>
+                </a14:m>
+                <a:r>
+                  <a:rPr lang="en-US" dirty="0">
+                    <a:latin typeface="Times" pitchFamily="2" charset="0"/>
+                  </a:rPr>
+                  <a:t> in Cache</a:t>
+                </a:r>
+              </a:p>
+            </p:txBody>
+          </p:sp>
+        </mc:Choice>
+        <mc:Fallback>
+          <p:sp>
+            <p:nvSpPr>
+              <p:cNvPr id="6" name="Rounded Rectangle 5">
+                <a:extLst>
+                  <a:ext uri="{FF2B5EF4-FFF2-40B4-BE49-F238E27FC236}">
+                    <a16:creationId xmlns:a16="http://schemas.microsoft.com/office/drawing/2014/main" id="{B223B8F8-D712-53CE-B202-DEB749977023}"/>
+                  </a:ext>
+                </a:extLst>
+              </p:cNvPr>
+              <p:cNvSpPr>
+                <a:spLocks noRot="1" noChangeAspect="1" noMove="1" noResize="1" noEditPoints="1" noAdjustHandles="1" noChangeArrowheads="1" noChangeShapeType="1" noTextEdit="1"/>
+              </p:cNvSpPr>
+              <p:nvPr/>
+            </p:nvSpPr>
+            <p:spPr>
+              <a:xfrm>
+                <a:off x="5223109" y="1726074"/>
+                <a:ext cx="4983209" cy="504499"/>
+              </a:xfrm>
+              <a:prstGeom prst="roundRect">
+                <a:avLst/>
+              </a:prstGeom>
+              <a:blipFill>
+                <a:blip r:embed="rId4"/>
+                <a:stretch>
+                  <a:fillRect b="-2326"/>
+                </a:stretch>
+              </a:blipFill>
+              <a:ln w="25400">
+                <a:solidFill>
+                  <a:schemeClr val="tx1"/>
+                </a:solidFill>
+              </a:ln>
+            </p:spPr>
+            <p:txBody>
+              <a:bodyPr/>
+              <a:lstStyle/>
+              <a:p>
+                <a:r>
+                  <a:rPr lang="en-US">
+                    <a:noFill/>
+                  </a:rPr>
+                  <a:t> </a:t>
+                </a:r>
+              </a:p>
+            </p:txBody>
+          </p:sp>
+        </mc:Fallback>
+      </mc:AlternateContent>
+      <mc:AlternateContent xmlns:mc="http://schemas.openxmlformats.org/markup-compatibility/2006">
+        <mc:Choice xmlns:a14="http://schemas.microsoft.com/office/drawing/2010/main" Requires="a14">
+          <p:sp>
+            <p:nvSpPr>
+              <p:cNvPr id="8" name="Rounded Rectangle 7">
+                <a:extLst>
+                  <a:ext uri="{FF2B5EF4-FFF2-40B4-BE49-F238E27FC236}">
+                    <a16:creationId xmlns:a16="http://schemas.microsoft.com/office/drawing/2014/main" id="{2FE98003-EA3F-D959-B7D9-27B18122A300}"/>
+                  </a:ext>
+                </a:extLst>
+              </p:cNvPr>
+              <p:cNvSpPr/>
+              <p:nvPr/>
+            </p:nvSpPr>
+            <p:spPr>
+              <a:xfrm>
+                <a:off x="5960960" y="4576779"/>
+                <a:ext cx="3507506" cy="502920"/>
+              </a:xfrm>
+              <a:prstGeom prst="roundRect">
+                <a:avLst/>
+              </a:prstGeom>
+              <a:ln w="25400">
+                <a:solidFill>
+                  <a:schemeClr val="tx1"/>
+                </a:solidFill>
+              </a:ln>
+            </p:spPr>
+            <p:style>
+              <a:lnRef idx="2">
+                <a:schemeClr val="accent6"/>
+              </a:lnRef>
+              <a:fillRef idx="1">
+                <a:schemeClr val="lt1"/>
+              </a:fillRef>
+              <a:effectRef idx="0">
+                <a:schemeClr val="accent6"/>
+              </a:effectRef>
+              <a:fontRef idx="minor">
+                <a:schemeClr val="dk1"/>
+              </a:fontRef>
+            </p:style>
+            <p:txBody>
+              <a:bodyPr rtlCol="0" anchor="ctr"/>
+              <a:lstStyle/>
+              <a:p>
+                <a:pPr algn="ctr"/>
+                <a:r>
+                  <a:rPr lang="en-US" dirty="0">
+                    <a:latin typeface="Times" pitchFamily="2" charset="0"/>
+                  </a:rPr>
+                  <a:t>Unlearn Model </a:t>
+                </a:r>
+                <a14:m>
+                  <m:oMath xmlns:m="http://schemas.openxmlformats.org/officeDocument/2006/math">
+                    <m:sSub>
+                      <m:sSubPr>
+                        <m:ctrlPr>
+                          <a:rPr lang="en-US" b="1" i="1">
+                            <a:latin typeface="Cambria Math" panose="02040503050406030204" pitchFamily="18" charset="0"/>
+                            <a:ea typeface="Cambria Math" panose="02040503050406030204" pitchFamily="18" charset="0"/>
+                          </a:rPr>
+                        </m:ctrlPr>
+                      </m:sSubPr>
+                      <m:e>
+                        <m:r>
+                          <a:rPr lang="en-US" b="1" i="1">
+                            <a:latin typeface="Cambria Math" panose="02040503050406030204" pitchFamily="18" charset="0"/>
+                            <a:ea typeface="Cambria Math" panose="02040503050406030204" pitchFamily="18" charset="0"/>
+                          </a:rPr>
+                          <m:t>𝒘</m:t>
+                        </m:r>
+                      </m:e>
+                      <m:sub>
+                        <m:r>
+                          <a:rPr lang="en-US" b="0" i="1" smtClean="0">
+                            <a:latin typeface="Cambria Math" panose="02040503050406030204" pitchFamily="18" charset="0"/>
+                            <a:ea typeface="Cambria Math" panose="02040503050406030204" pitchFamily="18" charset="0"/>
+                          </a:rPr>
+                          <m:t>𝑖</m:t>
+                        </m:r>
+                      </m:sub>
+                    </m:sSub>
+                  </m:oMath>
+                </a14:m>
+                <a:r>
+                  <a:rPr lang="en-US" dirty="0">
+                    <a:latin typeface="Times" pitchFamily="2" charset="0"/>
+                  </a:rPr>
+                  <a:t> </a:t>
+                </a:r>
+              </a:p>
+            </p:txBody>
+          </p:sp>
+        </mc:Choice>
+        <mc:Fallback>
+          <p:sp>
+            <p:nvSpPr>
+              <p:cNvPr id="8" name="Rounded Rectangle 7">
+                <a:extLst>
+                  <a:ext uri="{FF2B5EF4-FFF2-40B4-BE49-F238E27FC236}">
+                    <a16:creationId xmlns:a16="http://schemas.microsoft.com/office/drawing/2014/main" id="{2FE98003-EA3F-D959-B7D9-27B18122A300}"/>
+                  </a:ext>
+                </a:extLst>
+              </p:cNvPr>
+              <p:cNvSpPr>
+                <a:spLocks noRot="1" noChangeAspect="1" noMove="1" noResize="1" noEditPoints="1" noAdjustHandles="1" noChangeArrowheads="1" noChangeShapeType="1" noTextEdit="1"/>
+              </p:cNvSpPr>
+              <p:nvPr/>
+            </p:nvSpPr>
+            <p:spPr>
+              <a:xfrm>
+                <a:off x="5960960" y="4576779"/>
+                <a:ext cx="3507506" cy="502920"/>
+              </a:xfrm>
+              <a:prstGeom prst="roundRect">
+                <a:avLst/>
+              </a:prstGeom>
+              <a:blipFill>
+                <a:blip r:embed="rId5"/>
+                <a:stretch>
+                  <a:fillRect b="-2381"/>
+                </a:stretch>
+              </a:blipFill>
+              <a:ln w="25400">
+                <a:solidFill>
+                  <a:schemeClr val="tx1"/>
+                </a:solidFill>
+              </a:ln>
+            </p:spPr>
+            <p:txBody>
+              <a:bodyPr/>
+              <a:lstStyle/>
+              <a:p>
+                <a:r>
+                  <a:rPr lang="en-US">
+                    <a:noFill/>
+                  </a:rPr>
+                  <a:t> </a:t>
+                </a:r>
+              </a:p>
+            </p:txBody>
+          </p:sp>
+        </mc:Fallback>
+      </mc:AlternateContent>
+      <mc:AlternateContent xmlns:mc="http://schemas.openxmlformats.org/markup-compatibility/2006">
+        <mc:Choice xmlns:a14="http://schemas.microsoft.com/office/drawing/2010/main" Requires="a14">
+          <p:sp>
+            <p:nvSpPr>
+              <p:cNvPr id="10" name="Rounded Rectangle 9">
+                <a:extLst>
+                  <a:ext uri="{FF2B5EF4-FFF2-40B4-BE49-F238E27FC236}">
+                    <a16:creationId xmlns:a16="http://schemas.microsoft.com/office/drawing/2014/main" id="{E3743ADF-1579-E53A-8E40-8605B0698A91}"/>
+                  </a:ext>
+                </a:extLst>
+              </p:cNvPr>
+              <p:cNvSpPr/>
+              <p:nvPr/>
+            </p:nvSpPr>
+            <p:spPr>
+              <a:xfrm>
+                <a:off x="4835291" y="5373272"/>
+                <a:ext cx="5758841" cy="504499"/>
+              </a:xfrm>
+              <a:prstGeom prst="roundRect">
+                <a:avLst/>
+              </a:prstGeom>
+              <a:ln w="25400">
+                <a:solidFill>
+                  <a:schemeClr val="tx1"/>
+                </a:solidFill>
+              </a:ln>
+            </p:spPr>
+            <p:style>
+              <a:lnRef idx="2">
+                <a:schemeClr val="accent6"/>
+              </a:lnRef>
+              <a:fillRef idx="1">
+                <a:schemeClr val="lt1"/>
+              </a:fillRef>
+              <a:effectRef idx="0">
+                <a:schemeClr val="accent6"/>
+              </a:effectRef>
+              <a:fontRef idx="minor">
+                <a:schemeClr val="dk1"/>
+              </a:fontRef>
+            </p:style>
+            <p:txBody>
+              <a:bodyPr rtlCol="0" anchor="ctr"/>
+              <a:lstStyle/>
+              <a:p>
+                <a:pPr algn="ctr"/>
+                <a:r>
+                  <a:rPr lang="en-US" dirty="0">
+                    <a:latin typeface="Times" pitchFamily="2" charset="0"/>
+                  </a:rPr>
+                  <a:t>Remove Data </a:t>
+                </a:r>
+                <a14:m>
+                  <m:oMath xmlns:m="http://schemas.openxmlformats.org/officeDocument/2006/math">
+                    <m:sSub>
+                      <m:sSubPr>
+                        <m:ctrlPr>
+                          <a:rPr lang="en-US" i="1" dirty="0">
+                            <a:latin typeface="Cambria Math" panose="02040503050406030204" pitchFamily="18" charset="0"/>
+                          </a:rPr>
+                        </m:ctrlPr>
+                      </m:sSubPr>
+                      <m:e>
+                        <m:r>
+                          <a:rPr lang="en-US" i="1" dirty="0">
+                            <a:latin typeface="Cambria Math" panose="02040503050406030204" pitchFamily="18" charset="0"/>
+                            <a:ea typeface="Cambria Math" panose="02040503050406030204" pitchFamily="18" charset="0"/>
+                          </a:rPr>
+                          <m:t>𝒟</m:t>
+                        </m:r>
+                      </m:e>
+                      <m:sub>
+                        <m:r>
+                          <a:rPr lang="en-US" b="0" i="1" dirty="0" smtClean="0">
+                            <a:latin typeface="Cambria Math" panose="02040503050406030204" pitchFamily="18" charset="0"/>
+                            <a:ea typeface="Cambria Math" panose="02040503050406030204" pitchFamily="18" charset="0"/>
+                          </a:rPr>
+                          <m:t>𝑖</m:t>
+                        </m:r>
+                      </m:sub>
+                    </m:sSub>
+                  </m:oMath>
+                </a14:m>
+                <a:r>
+                  <a:rPr lang="en-US" i="1" dirty="0">
+                    <a:latin typeface="Times" pitchFamily="2" charset="0"/>
+                  </a:rPr>
+                  <a:t> </a:t>
+                </a:r>
+                <a:r>
+                  <a:rPr lang="en-US" dirty="0">
+                    <a:latin typeface="Times" pitchFamily="2" charset="0"/>
+                  </a:rPr>
+                  <a:t>=</a:t>
+                </a:r>
+                <a:r>
+                  <a:rPr lang="en-US" i="1" dirty="0">
+                    <a:latin typeface="Times" pitchFamily="2" charset="0"/>
+                  </a:rPr>
+                  <a:t> </a:t>
+                </a:r>
+                <a14:m>
+                  <m:oMath xmlns:m="http://schemas.openxmlformats.org/officeDocument/2006/math">
+                    <m:sSub>
+                      <m:sSubPr>
+                        <m:ctrlPr>
+                          <a:rPr lang="en-US" i="1" dirty="0">
+                            <a:latin typeface="Cambria Math" panose="02040503050406030204" pitchFamily="18" charset="0"/>
+                          </a:rPr>
+                        </m:ctrlPr>
+                      </m:sSubPr>
+                      <m:e>
+                        <m:r>
+                          <a:rPr lang="en-US" i="1" dirty="0">
+                            <a:latin typeface="Cambria Math" panose="02040503050406030204" pitchFamily="18" charset="0"/>
+                            <a:ea typeface="Cambria Math" panose="02040503050406030204" pitchFamily="18" charset="0"/>
+                          </a:rPr>
+                          <m:t>𝒟</m:t>
+                        </m:r>
+                      </m:e>
+                      <m:sub>
+                        <m:r>
+                          <a:rPr lang="en-US" i="1" dirty="0">
+                            <a:latin typeface="Cambria Math" panose="02040503050406030204" pitchFamily="18" charset="0"/>
+                            <a:ea typeface="Cambria Math" panose="02040503050406030204" pitchFamily="18" charset="0"/>
+                          </a:rPr>
+                          <m:t>𝑖</m:t>
+                        </m:r>
+                        <m:r>
+                          <a:rPr lang="en-US" b="0" i="1" dirty="0" smtClean="0">
+                            <a:latin typeface="Cambria Math" panose="02040503050406030204" pitchFamily="18" charset="0"/>
+                            <a:ea typeface="Cambria Math" panose="02040503050406030204" pitchFamily="18" charset="0"/>
+                          </a:rPr>
+                          <m:t>−1</m:t>
+                        </m:r>
+                      </m:sub>
+                    </m:sSub>
+                    <m:r>
+                      <a:rPr lang="en-US" b="0" i="1" dirty="0" smtClean="0">
+                        <a:latin typeface="Cambria Math" panose="02040503050406030204" pitchFamily="18" charset="0"/>
+                        <a:ea typeface="Cambria Math" panose="02040503050406030204" pitchFamily="18" charset="0"/>
+                      </a:rPr>
+                      <m:t>\</m:t>
+                    </m:r>
+                    <m:sSub>
+                      <m:sSubPr>
+                        <m:ctrlPr>
+                          <a:rPr lang="en-US" b="0" i="1" dirty="0" smtClean="0">
+                            <a:latin typeface="Cambria Math" panose="02040503050406030204" pitchFamily="18" charset="0"/>
+                            <a:ea typeface="Cambria Math" panose="02040503050406030204" pitchFamily="18" charset="0"/>
+                          </a:rPr>
+                        </m:ctrlPr>
+                      </m:sSubPr>
+                      <m:e>
+                        <m:r>
+                          <a:rPr lang="en-US" i="1" dirty="0">
+                            <a:latin typeface="Cambria Math" panose="02040503050406030204" pitchFamily="18" charset="0"/>
+                            <a:ea typeface="Cambria Math" panose="02040503050406030204" pitchFamily="18" charset="0"/>
+                          </a:rPr>
+                          <m:t>ℬ</m:t>
+                        </m:r>
+                      </m:e>
+                      <m:sub>
+                        <m:r>
+                          <a:rPr lang="en-US" b="0" i="1" dirty="0" smtClean="0">
+                            <a:latin typeface="Cambria Math" panose="02040503050406030204" pitchFamily="18" charset="0"/>
+                            <a:ea typeface="Cambria Math" panose="02040503050406030204" pitchFamily="18" charset="0"/>
+                          </a:rPr>
+                          <m:t>𝑖</m:t>
+                        </m:r>
+                      </m:sub>
+                    </m:sSub>
+                  </m:oMath>
+                </a14:m>
+                <a:r>
+                  <a:rPr lang="en-US" dirty="0">
+                    <a:latin typeface="Times" pitchFamily="2" charset="0"/>
+                  </a:rPr>
+                  <a:t> and Update </a:t>
+                </a:r>
+                <a14:m>
+                  <m:oMath xmlns:m="http://schemas.openxmlformats.org/officeDocument/2006/math">
+                    <m:sSub>
+                      <m:sSubPr>
+                        <m:ctrlPr>
+                          <a:rPr lang="en-US" i="1">
+                            <a:latin typeface="Cambria Math" panose="02040503050406030204" pitchFamily="18" charset="0"/>
+                          </a:rPr>
+                        </m:ctrlPr>
+                      </m:sSubPr>
+                      <m:e>
+                        <m:r>
+                          <a:rPr lang="en-US" b="1" i="1">
+                            <a:latin typeface="Cambria Math" panose="02040503050406030204" pitchFamily="18" charset="0"/>
+                          </a:rPr>
+                          <m:t>𝒈</m:t>
+                        </m:r>
+                      </m:e>
+                      <m:sub>
+                        <m:r>
+                          <a:rPr lang="en-US" b="0" i="1" smtClean="0">
+                            <a:latin typeface="Cambria Math" panose="02040503050406030204" pitchFamily="18" charset="0"/>
+                          </a:rPr>
+                          <m:t>𝑖</m:t>
+                        </m:r>
+                      </m:sub>
+                    </m:sSub>
+                    <m:r>
+                      <a:rPr lang="en-US" i="1">
+                        <a:latin typeface="Cambria Math" panose="02040503050406030204" pitchFamily="18" charset="0"/>
+                      </a:rPr>
+                      <m:t>, </m:t>
+                    </m:r>
+                    <m:sSub>
+                      <m:sSubPr>
+                        <m:ctrlPr>
+                          <a:rPr lang="en-US" i="1">
+                            <a:latin typeface="Cambria Math" panose="02040503050406030204" pitchFamily="18" charset="0"/>
+                          </a:rPr>
+                        </m:ctrlPr>
+                      </m:sSubPr>
+                      <m:e>
+                        <m:r>
+                          <a:rPr lang="en-US" b="1" i="1">
+                            <a:latin typeface="Cambria Math" panose="02040503050406030204" pitchFamily="18" charset="0"/>
+                          </a:rPr>
+                          <m:t>𝑯</m:t>
+                        </m:r>
+                      </m:e>
+                      <m:sub>
+                        <m:r>
+                          <a:rPr lang="en-US" b="0" i="1" smtClean="0">
+                            <a:latin typeface="Cambria Math" panose="02040503050406030204" pitchFamily="18" charset="0"/>
+                          </a:rPr>
+                          <m:t>𝑖</m:t>
+                        </m:r>
+                      </m:sub>
+                    </m:sSub>
+                  </m:oMath>
+                </a14:m>
+                <a:r>
+                  <a:rPr lang="en-US" dirty="0">
+                    <a:latin typeface="Times" pitchFamily="2" charset="0"/>
+                  </a:rPr>
+                  <a:t> in Cache</a:t>
+                </a:r>
+              </a:p>
+            </p:txBody>
+          </p:sp>
+        </mc:Choice>
+        <mc:Fallback>
+          <p:sp>
+            <p:nvSpPr>
+              <p:cNvPr id="10" name="Rounded Rectangle 9">
+                <a:extLst>
+                  <a:ext uri="{FF2B5EF4-FFF2-40B4-BE49-F238E27FC236}">
+                    <a16:creationId xmlns:a16="http://schemas.microsoft.com/office/drawing/2014/main" id="{E3743ADF-1579-E53A-8E40-8605B0698A91}"/>
+                  </a:ext>
+                </a:extLst>
+              </p:cNvPr>
+              <p:cNvSpPr>
+                <a:spLocks noRot="1" noChangeAspect="1" noMove="1" noResize="1" noEditPoints="1" noAdjustHandles="1" noChangeArrowheads="1" noChangeShapeType="1" noTextEdit="1"/>
+              </p:cNvSpPr>
+              <p:nvPr/>
+            </p:nvSpPr>
+            <p:spPr>
+              <a:xfrm>
+                <a:off x="4835291" y="5373272"/>
+                <a:ext cx="5758841" cy="504499"/>
+              </a:xfrm>
+              <a:prstGeom prst="roundRect">
+                <a:avLst/>
+              </a:prstGeom>
+              <a:blipFill>
+                <a:blip r:embed="rId6"/>
+                <a:stretch>
+                  <a:fillRect b="-2326"/>
+                </a:stretch>
+              </a:blipFill>
+              <a:ln w="25400">
+                <a:solidFill>
+                  <a:schemeClr val="tx1"/>
+                </a:solidFill>
+              </a:ln>
+            </p:spPr>
+            <p:txBody>
+              <a:bodyPr/>
+              <a:lstStyle/>
+              <a:p>
+                <a:r>
+                  <a:rPr lang="en-US">
+                    <a:noFill/>
+                  </a:rPr>
+                  <a:t> </a:t>
+                </a:r>
+              </a:p>
+            </p:txBody>
+          </p:sp>
+        </mc:Fallback>
+      </mc:AlternateContent>
+      <p:cxnSp>
+        <p:nvCxnSpPr>
+          <p:cNvPr id="3" name="Straight Arrow Connector 2">
+            <a:extLst>
+              <a:ext uri="{FF2B5EF4-FFF2-40B4-BE49-F238E27FC236}">
+                <a16:creationId xmlns:a16="http://schemas.microsoft.com/office/drawing/2014/main" id="{7A473554-A80D-4A08-95D8-5C785BA2C551}"/>
+              </a:ext>
+            </a:extLst>
+          </p:cNvPr>
+          <p:cNvCxnSpPr>
+            <a:stCxn id="16" idx="2"/>
+            <a:endCxn id="6" idx="0"/>
+          </p:cNvCxnSpPr>
+          <p:nvPr/>
+        </p:nvCxnSpPr>
+        <p:spPr>
+          <a:xfrm>
+            <a:off x="7714714" y="1485735"/>
+            <a:ext cx="0" cy="240339"/>
+          </a:xfrm>
+          <a:prstGeom prst="straightConnector1">
+            <a:avLst/>
+          </a:prstGeom>
+          <a:ln w="25400">
+            <a:tailEnd type="triangle"/>
+          </a:ln>
+        </p:spPr>
+        <p:style>
+          <a:lnRef idx="1">
+            <a:schemeClr val="dk1"/>
+          </a:lnRef>
+          <a:fillRef idx="0">
+            <a:schemeClr val="dk1"/>
+          </a:fillRef>
+          <a:effectRef idx="0">
+            <a:schemeClr val="dk1"/>
+          </a:effectRef>
+          <a:fontRef idx="minor">
+            <a:schemeClr val="tx1"/>
+          </a:fontRef>
+        </p:style>
+      </p:cxnSp>
+      <p:cxnSp>
+        <p:nvCxnSpPr>
+          <p:cNvPr id="14" name="Straight Arrow Connector 13">
+            <a:extLst>
+              <a:ext uri="{FF2B5EF4-FFF2-40B4-BE49-F238E27FC236}">
+                <a16:creationId xmlns:a16="http://schemas.microsoft.com/office/drawing/2014/main" id="{B76F7F39-9E6C-C0C5-17D5-116A7B4ED332}"/>
+              </a:ext>
+            </a:extLst>
+          </p:cNvPr>
+          <p:cNvCxnSpPr>
+            <a:cxnSpLocks/>
+            <a:stCxn id="6" idx="2"/>
+            <a:endCxn id="23" idx="0"/>
+          </p:cNvCxnSpPr>
+          <p:nvPr/>
+        </p:nvCxnSpPr>
+        <p:spPr>
+          <a:xfrm flipH="1">
+            <a:off x="7714713" y="2230573"/>
+            <a:ext cx="1" cy="850138"/>
+          </a:xfrm>
+          <a:prstGeom prst="straightConnector1">
+            <a:avLst/>
+          </a:prstGeom>
+          <a:ln w="25400">
+            <a:tailEnd type="triangle"/>
+          </a:ln>
+        </p:spPr>
+        <p:style>
+          <a:lnRef idx="1">
+            <a:schemeClr val="dk1"/>
+          </a:lnRef>
+          <a:fillRef idx="0">
+            <a:schemeClr val="dk1"/>
+          </a:fillRef>
+          <a:effectRef idx="0">
+            <a:schemeClr val="dk1"/>
+          </a:effectRef>
+          <a:fontRef idx="minor">
+            <a:schemeClr val="tx1"/>
+          </a:fontRef>
+        </p:style>
+      </p:cxnSp>
+      <mc:AlternateContent xmlns:mc="http://schemas.openxmlformats.org/markup-compatibility/2006">
+        <mc:Choice xmlns:a14="http://schemas.microsoft.com/office/drawing/2010/main" Requires="a14">
+          <p:sp>
+            <p:nvSpPr>
+              <p:cNvPr id="15" name="TextBox 14">
+                <a:extLst>
+                  <a:ext uri="{FF2B5EF4-FFF2-40B4-BE49-F238E27FC236}">
+                    <a16:creationId xmlns:a16="http://schemas.microsoft.com/office/drawing/2014/main" id="{40D485B7-9D02-3B67-6AB6-B1524D1D3503}"/>
+                  </a:ext>
+                </a:extLst>
+              </p:cNvPr>
+              <p:cNvSpPr txBox="1"/>
+              <p:nvPr/>
+            </p:nvSpPr>
+            <p:spPr>
+              <a:xfrm>
+                <a:off x="7670933" y="2732016"/>
+                <a:ext cx="1008546" cy="369332"/>
+              </a:xfrm>
+              <a:prstGeom prst="rect">
+                <a:avLst/>
+              </a:prstGeom>
+              <a:noFill/>
+            </p:spPr>
+            <p:txBody>
+              <a:bodyPr wrap="none" rtlCol="0">
+                <a:spAutoFit/>
+              </a:bodyPr>
+              <a:lstStyle/>
+              <a:p>
+                <a14:m>
+                  <m:oMathPara xmlns:m="http://schemas.openxmlformats.org/officeDocument/2006/math">
+                    <m:oMathParaPr>
+                      <m:jc m:val="centerGroup"/>
+                    </m:oMathParaPr>
+                    <m:oMath xmlns:m="http://schemas.openxmlformats.org/officeDocument/2006/math">
+                      <m:sSub>
+                        <m:sSubPr>
+                          <m:ctrlPr>
+                            <a:rPr lang="en-US" b="1" i="1" smtClean="0">
+                              <a:latin typeface="Cambria Math" panose="02040503050406030204" pitchFamily="18" charset="0"/>
+                              <a:ea typeface="Cambria Math" panose="02040503050406030204" pitchFamily="18" charset="0"/>
+                            </a:rPr>
+                          </m:ctrlPr>
+                        </m:sSubPr>
+                        <m:e>
+                          <m:r>
+                            <a:rPr lang="en-US" b="1" i="1" smtClean="0">
+                              <a:latin typeface="Cambria Math" panose="02040503050406030204" pitchFamily="18" charset="0"/>
+                              <a:ea typeface="Cambria Math" panose="02040503050406030204" pitchFamily="18" charset="0"/>
+                            </a:rPr>
+                            <m:t>𝒘</m:t>
+                          </m:r>
+                          <m:r>
+                            <a:rPr lang="en-US" b="1" i="1" smtClean="0">
+                              <a:latin typeface="Cambria Math" panose="02040503050406030204" pitchFamily="18" charset="0"/>
+                              <a:ea typeface="Cambria Math" panose="02040503050406030204" pitchFamily="18" charset="0"/>
+                            </a:rPr>
+                            <m:t>=</m:t>
+                          </m:r>
+                          <m:r>
+                            <a:rPr lang="en-US" b="1" i="1">
+                              <a:latin typeface="Cambria Math" panose="02040503050406030204" pitchFamily="18" charset="0"/>
+                              <a:ea typeface="Cambria Math" panose="02040503050406030204" pitchFamily="18" charset="0"/>
+                            </a:rPr>
+                            <m:t>𝒘</m:t>
+                          </m:r>
+                        </m:e>
+                        <m:sub>
+                          <m:r>
+                            <a:rPr lang="en-US" i="1">
+                              <a:latin typeface="Cambria Math" panose="02040503050406030204" pitchFamily="18" charset="0"/>
+                              <a:ea typeface="Cambria Math" panose="02040503050406030204" pitchFamily="18" charset="0"/>
+                            </a:rPr>
+                            <m:t>0</m:t>
+                          </m:r>
+                        </m:sub>
+                      </m:sSub>
+                    </m:oMath>
+                  </m:oMathPara>
+                </a14:m>
+                <a:endParaRPr lang="en-US" dirty="0"/>
+              </a:p>
+            </p:txBody>
+          </p:sp>
+        </mc:Choice>
+        <mc:Fallback>
+          <p:sp>
+            <p:nvSpPr>
+              <p:cNvPr id="15" name="TextBox 14">
+                <a:extLst>
+                  <a:ext uri="{FF2B5EF4-FFF2-40B4-BE49-F238E27FC236}">
+                    <a16:creationId xmlns:a16="http://schemas.microsoft.com/office/drawing/2014/main" id="{40D485B7-9D02-3B67-6AB6-B1524D1D3503}"/>
+                  </a:ext>
+                </a:extLst>
+              </p:cNvPr>
+              <p:cNvSpPr txBox="1">
+                <a:spLocks noRot="1" noChangeAspect="1" noMove="1" noResize="1" noEditPoints="1" noAdjustHandles="1" noChangeArrowheads="1" noChangeShapeType="1" noTextEdit="1"/>
+              </p:cNvSpPr>
+              <p:nvPr/>
+            </p:nvSpPr>
+            <p:spPr>
+              <a:xfrm>
+                <a:off x="7670933" y="2732016"/>
+                <a:ext cx="1008546" cy="369332"/>
+              </a:xfrm>
+              <a:prstGeom prst="rect">
+                <a:avLst/>
+              </a:prstGeom>
+              <a:blipFill>
+                <a:blip r:embed="rId7"/>
+                <a:stretch>
+                  <a:fillRect/>
+                </a:stretch>
+              </a:blipFill>
+            </p:spPr>
+            <p:txBody>
+              <a:bodyPr/>
+              <a:lstStyle/>
+              <a:p>
+                <a:r>
+                  <a:rPr lang="en-US">
+                    <a:noFill/>
+                  </a:rPr>
+                  <a:t> </a:t>
+                </a:r>
+              </a:p>
+            </p:txBody>
+          </p:sp>
+        </mc:Fallback>
+      </mc:AlternateContent>
+      <p:cxnSp>
+        <p:nvCxnSpPr>
+          <p:cNvPr id="21" name="Straight Arrow Connector 20">
+            <a:extLst>
+              <a:ext uri="{FF2B5EF4-FFF2-40B4-BE49-F238E27FC236}">
+                <a16:creationId xmlns:a16="http://schemas.microsoft.com/office/drawing/2014/main" id="{5F3CA524-555E-4483-F1AA-72016872CFCA}"/>
+              </a:ext>
+            </a:extLst>
+          </p:cNvPr>
+          <p:cNvCxnSpPr>
+            <a:cxnSpLocks/>
+            <a:stCxn id="23" idx="3"/>
+            <a:endCxn id="31" idx="1"/>
+          </p:cNvCxnSpPr>
+          <p:nvPr/>
+        </p:nvCxnSpPr>
+        <p:spPr>
+          <a:xfrm>
+            <a:off x="9322574" y="3332171"/>
+            <a:ext cx="302161" cy="0"/>
+          </a:xfrm>
+          <a:prstGeom prst="straightConnector1">
+            <a:avLst/>
+          </a:prstGeom>
+          <a:ln w="25400">
+            <a:tailEnd type="triangle"/>
+          </a:ln>
+        </p:spPr>
+        <p:style>
+          <a:lnRef idx="1">
+            <a:schemeClr val="dk1"/>
+          </a:lnRef>
+          <a:fillRef idx="0">
+            <a:schemeClr val="dk1"/>
+          </a:fillRef>
+          <a:effectRef idx="0">
+            <a:schemeClr val="dk1"/>
+          </a:effectRef>
+          <a:fontRef idx="minor">
+            <a:schemeClr val="tx1"/>
+          </a:fontRef>
+        </p:style>
+      </p:cxnSp>
+      <p:cxnSp>
+        <p:nvCxnSpPr>
+          <p:cNvPr id="26" name="Elbow Connector 25">
+            <a:extLst>
+              <a:ext uri="{FF2B5EF4-FFF2-40B4-BE49-F238E27FC236}">
+                <a16:creationId xmlns:a16="http://schemas.microsoft.com/office/drawing/2014/main" id="{222A4B0B-475E-69D0-DC0A-80BE9CB88ADE}"/>
+              </a:ext>
+            </a:extLst>
+          </p:cNvPr>
+          <p:cNvCxnSpPr>
+            <a:cxnSpLocks/>
+            <a:stCxn id="31" idx="2"/>
+            <a:endCxn id="8" idx="0"/>
+          </p:cNvCxnSpPr>
+          <p:nvPr/>
+        </p:nvCxnSpPr>
+        <p:spPr>
+          <a:xfrm rot="5400000">
+            <a:off x="8478099" y="2820245"/>
+            <a:ext cx="993148" cy="2519920"/>
+          </a:xfrm>
+          <a:prstGeom prst="bentConnector3">
+            <a:avLst>
+              <a:gd name="adj1" fmla="val 79412"/>
+            </a:avLst>
+          </a:prstGeom>
+          <a:ln w="19050">
+            <a:tailEnd type="triangle"/>
+          </a:ln>
+        </p:spPr>
+        <p:style>
+          <a:lnRef idx="1">
+            <a:schemeClr val="dk1"/>
+          </a:lnRef>
+          <a:fillRef idx="0">
+            <a:schemeClr val="dk1"/>
+          </a:fillRef>
+          <a:effectRef idx="0">
+            <a:schemeClr val="dk1"/>
+          </a:effectRef>
+          <a:fontRef idx="minor">
+            <a:schemeClr val="tx1"/>
+          </a:fontRef>
+        </p:style>
+      </p:cxnSp>
+      <p:cxnSp>
+        <p:nvCxnSpPr>
+          <p:cNvPr id="30" name="Straight Arrow Connector 29">
+            <a:extLst>
+              <a:ext uri="{FF2B5EF4-FFF2-40B4-BE49-F238E27FC236}">
+                <a16:creationId xmlns:a16="http://schemas.microsoft.com/office/drawing/2014/main" id="{69E4A7EB-A983-1E62-4A63-122E37475547}"/>
+              </a:ext>
+            </a:extLst>
+          </p:cNvPr>
+          <p:cNvCxnSpPr>
+            <a:cxnSpLocks/>
+            <a:stCxn id="8" idx="2"/>
+            <a:endCxn id="10" idx="0"/>
+          </p:cNvCxnSpPr>
+          <p:nvPr/>
+        </p:nvCxnSpPr>
+        <p:spPr>
+          <a:xfrm flipH="1">
+            <a:off x="7714712" y="5079699"/>
+            <a:ext cx="1" cy="293573"/>
+          </a:xfrm>
+          <a:prstGeom prst="straightConnector1">
+            <a:avLst/>
+          </a:prstGeom>
+          <a:ln w="19050">
+            <a:solidFill>
+              <a:schemeClr val="tx1"/>
+            </a:solidFill>
+            <a:tailEnd type="triangle"/>
+          </a:ln>
+        </p:spPr>
+        <p:style>
+          <a:lnRef idx="1">
+            <a:schemeClr val="accent1"/>
+          </a:lnRef>
+          <a:fillRef idx="0">
+            <a:schemeClr val="accent1"/>
+          </a:fillRef>
+          <a:effectRef idx="0">
+            <a:schemeClr val="accent1"/>
+          </a:effectRef>
+          <a:fontRef idx="minor">
+            <a:schemeClr val="tx1"/>
+          </a:fontRef>
+        </p:style>
+      </p:cxnSp>
+      <p:cxnSp>
+        <p:nvCxnSpPr>
+          <p:cNvPr id="33" name="Elbow Connector 32">
+            <a:extLst>
+              <a:ext uri="{FF2B5EF4-FFF2-40B4-BE49-F238E27FC236}">
+                <a16:creationId xmlns:a16="http://schemas.microsoft.com/office/drawing/2014/main" id="{6BA6F1FA-36CF-3A5F-09DE-C5F5B12F8F68}"/>
+              </a:ext>
+            </a:extLst>
+          </p:cNvPr>
+          <p:cNvCxnSpPr>
+            <a:cxnSpLocks/>
+            <a:stCxn id="53" idx="1"/>
+            <a:endCxn id="23" idx="1"/>
+          </p:cNvCxnSpPr>
+          <p:nvPr/>
+        </p:nvCxnSpPr>
+        <p:spPr>
+          <a:xfrm rot="10800000" flipH="1">
+            <a:off x="5960959" y="3332172"/>
+            <a:ext cx="145892" cy="3075597"/>
+          </a:xfrm>
+          <a:prstGeom prst="bentConnector3">
+            <a:avLst>
+              <a:gd name="adj1" fmla="val -1041997"/>
+            </a:avLst>
+          </a:prstGeom>
+          <a:ln w="19050">
+            <a:tailEnd type="triangle"/>
+          </a:ln>
+        </p:spPr>
+        <p:style>
+          <a:lnRef idx="1">
+            <a:schemeClr val="dk1"/>
+          </a:lnRef>
+          <a:fillRef idx="0">
+            <a:schemeClr val="dk1"/>
+          </a:fillRef>
+          <a:effectRef idx="0">
+            <a:schemeClr val="dk1"/>
+          </a:effectRef>
+          <a:fontRef idx="minor">
+            <a:schemeClr val="tx1"/>
+          </a:fontRef>
+        </p:style>
+      </p:cxnSp>
+      <p:cxnSp>
+        <p:nvCxnSpPr>
+          <p:cNvPr id="36" name="Elbow Connector 35">
+            <a:extLst>
+              <a:ext uri="{FF2B5EF4-FFF2-40B4-BE49-F238E27FC236}">
+                <a16:creationId xmlns:a16="http://schemas.microsoft.com/office/drawing/2014/main" id="{40EF1EA9-3F77-AB26-BC60-FC84D3739ECC}"/>
+              </a:ext>
+            </a:extLst>
+          </p:cNvPr>
+          <p:cNvCxnSpPr>
+            <a:cxnSpLocks/>
+            <a:stCxn id="53" idx="1"/>
+            <a:endCxn id="16" idx="1"/>
+          </p:cNvCxnSpPr>
+          <p:nvPr/>
+        </p:nvCxnSpPr>
+        <p:spPr>
+          <a:xfrm rot="10800000">
+            <a:off x="5759649" y="1233486"/>
+            <a:ext cx="201311" cy="5174282"/>
+          </a:xfrm>
+          <a:prstGeom prst="bentConnector3">
+            <a:avLst>
+              <a:gd name="adj1" fmla="val 887949"/>
+            </a:avLst>
+          </a:prstGeom>
+          <a:ln w="19050">
+            <a:solidFill>
+              <a:schemeClr val="tx1"/>
+            </a:solidFill>
+            <a:tailEnd type="triangle"/>
+          </a:ln>
+        </p:spPr>
+        <p:style>
+          <a:lnRef idx="1">
+            <a:schemeClr val="accent1"/>
+          </a:lnRef>
+          <a:fillRef idx="0">
+            <a:schemeClr val="accent1"/>
+          </a:fillRef>
+          <a:effectRef idx="0">
+            <a:schemeClr val="accent1"/>
+          </a:effectRef>
+          <a:fontRef idx="minor">
+            <a:schemeClr val="tx1"/>
+          </a:fontRef>
+        </p:style>
+      </p:cxnSp>
+      <p:sp>
+        <p:nvSpPr>
+          <p:cNvPr id="42" name="TextBox 41">
+            <a:extLst>
+              <a:ext uri="{FF2B5EF4-FFF2-40B4-BE49-F238E27FC236}">
+                <a16:creationId xmlns:a16="http://schemas.microsoft.com/office/drawing/2014/main" id="{5AF50B63-6DE9-5426-0AA4-DACDDEAD63FC}"/>
+              </a:ext>
+            </a:extLst>
+          </p:cNvPr>
+          <p:cNvSpPr txBox="1"/>
+          <p:nvPr/>
+        </p:nvSpPr>
+        <p:spPr>
+          <a:xfrm flipH="1">
+            <a:off x="4418530" y="4957919"/>
+            <a:ext cx="1063921" cy="369332"/>
+          </a:xfrm>
+          <a:prstGeom prst="rect">
+            <a:avLst/>
+          </a:prstGeom>
+          <a:noFill/>
+        </p:spPr>
+        <p:txBody>
+          <a:bodyPr wrap="square" rtlCol="0">
+            <a:spAutoFit/>
+          </a:bodyPr>
+          <a:lstStyle/>
+          <a:p>
+            <a:r>
+              <a:rPr lang="en-US" i="1" dirty="0">
+                <a:latin typeface="Times" pitchFamily="2" charset="0"/>
+              </a:rPr>
+              <a:t>Succeed</a:t>
+            </a:r>
+            <a:endParaRPr lang="en-US" dirty="0">
+              <a:latin typeface="Times" pitchFamily="2" charset="0"/>
+            </a:endParaRPr>
+          </a:p>
+        </p:txBody>
+      </p:sp>
+      <p:sp>
+        <p:nvSpPr>
+          <p:cNvPr id="45" name="TextBox 44">
+            <a:extLst>
+              <a:ext uri="{FF2B5EF4-FFF2-40B4-BE49-F238E27FC236}">
+                <a16:creationId xmlns:a16="http://schemas.microsoft.com/office/drawing/2014/main" id="{FF72D470-029B-BBE4-23A6-3E045ED33891}"/>
+              </a:ext>
+            </a:extLst>
+          </p:cNvPr>
+          <p:cNvSpPr txBox="1"/>
+          <p:nvPr/>
+        </p:nvSpPr>
+        <p:spPr>
+          <a:xfrm>
+            <a:off x="3637819" y="5971642"/>
+            <a:ext cx="569387" cy="369332"/>
+          </a:xfrm>
+          <a:prstGeom prst="rect">
+            <a:avLst/>
+          </a:prstGeom>
+          <a:noFill/>
+        </p:spPr>
+        <p:txBody>
+          <a:bodyPr wrap="none" rtlCol="0">
+            <a:spAutoFit/>
+          </a:bodyPr>
+          <a:lstStyle/>
+          <a:p>
+            <a:r>
+              <a:rPr lang="en-US" i="1" dirty="0">
+                <a:latin typeface="Times" pitchFamily="2" charset="0"/>
+              </a:rPr>
+              <a:t>Fail</a:t>
+            </a:r>
+            <a:endParaRPr lang="en-US" dirty="0">
+              <a:latin typeface="Times" pitchFamily="2" charset="0"/>
+            </a:endParaRPr>
+          </a:p>
+        </p:txBody>
+      </p:sp>
+      <p:sp>
+        <p:nvSpPr>
+          <p:cNvPr id="53" name="Rounded Rectangle 52">
+            <a:extLst>
+              <a:ext uri="{FF2B5EF4-FFF2-40B4-BE49-F238E27FC236}">
+                <a16:creationId xmlns:a16="http://schemas.microsoft.com/office/drawing/2014/main" id="{77877D62-E3EA-C74B-8D3F-BB9AAA27584E}"/>
+              </a:ext>
+            </a:extLst>
+          </p:cNvPr>
+          <p:cNvSpPr/>
+          <p:nvPr/>
+        </p:nvSpPr>
+        <p:spPr>
+          <a:xfrm>
+            <a:off x="5960959" y="6156308"/>
+            <a:ext cx="3507506" cy="502920"/>
+          </a:xfrm>
+          <a:prstGeom prst="roundRect">
+            <a:avLst/>
+          </a:prstGeom>
+          <a:ln w="25400">
+            <a:solidFill>
+              <a:schemeClr val="tx1"/>
+            </a:solidFill>
+          </a:ln>
+        </p:spPr>
+        <p:style>
+          <a:lnRef idx="2">
+            <a:schemeClr val="accent6"/>
+          </a:lnRef>
+          <a:fillRef idx="1">
+            <a:schemeClr val="lt1"/>
+          </a:fillRef>
+          <a:effectRef idx="0">
+            <a:schemeClr val="accent6"/>
+          </a:effectRef>
+          <a:fontRef idx="minor">
+            <a:schemeClr val="dk1"/>
+          </a:fontRef>
+        </p:style>
+        <p:txBody>
+          <a:bodyPr rtlCol="0" anchor="ctr"/>
+          <a:lstStyle/>
+          <a:p>
+            <a:pPr algn="ctr"/>
+            <a:r>
+              <a:rPr lang="en-US" dirty="0">
+                <a:latin typeface="Times" pitchFamily="2" charset="0"/>
+              </a:rPr>
+              <a:t>Evaluate Model and Audit</a:t>
+            </a:r>
+          </a:p>
+        </p:txBody>
+      </p:sp>
+      <p:cxnSp>
+        <p:nvCxnSpPr>
+          <p:cNvPr id="69" name="Straight Arrow Connector 68">
+            <a:extLst>
+              <a:ext uri="{FF2B5EF4-FFF2-40B4-BE49-F238E27FC236}">
+                <a16:creationId xmlns:a16="http://schemas.microsoft.com/office/drawing/2014/main" id="{E4B705D9-36DC-6C8B-F639-05515BB5E9FD}"/>
+              </a:ext>
+            </a:extLst>
+          </p:cNvPr>
+          <p:cNvCxnSpPr>
+            <a:cxnSpLocks/>
+            <a:stCxn id="10" idx="2"/>
+            <a:endCxn id="53" idx="0"/>
+          </p:cNvCxnSpPr>
+          <p:nvPr/>
+        </p:nvCxnSpPr>
+        <p:spPr>
+          <a:xfrm>
+            <a:off x="7714712" y="5877771"/>
+            <a:ext cx="0" cy="278537"/>
+          </a:xfrm>
+          <a:prstGeom prst="straightConnector1">
+            <a:avLst/>
+          </a:prstGeom>
+          <a:ln w="19050">
+            <a:solidFill>
+              <a:schemeClr val="tx1"/>
+            </a:solidFill>
+            <a:tailEnd type="triangle"/>
+          </a:ln>
+        </p:spPr>
+        <p:style>
+          <a:lnRef idx="1">
+            <a:schemeClr val="accent1"/>
+          </a:lnRef>
+          <a:fillRef idx="0">
+            <a:schemeClr val="accent1"/>
+          </a:fillRef>
+          <a:effectRef idx="0">
+            <a:schemeClr val="accent1"/>
+          </a:effectRef>
+          <a:fontRef idx="minor">
+            <a:schemeClr val="tx1"/>
+          </a:fontRef>
+        </p:style>
+      </p:cxnSp>
+      <mc:AlternateContent xmlns:mc="http://schemas.openxmlformats.org/markup-compatibility/2006">
+        <mc:Choice xmlns:a14="http://schemas.microsoft.com/office/drawing/2010/main" Requires="a14">
+          <p:sp>
+            <p:nvSpPr>
+              <p:cNvPr id="77" name="TextBox 76">
+                <a:extLst>
+                  <a:ext uri="{FF2B5EF4-FFF2-40B4-BE49-F238E27FC236}">
+                    <a16:creationId xmlns:a16="http://schemas.microsoft.com/office/drawing/2014/main" id="{1C3CAB5B-15CA-1738-8CA6-71DA963FBA4A}"/>
+                  </a:ext>
+                </a:extLst>
+              </p:cNvPr>
+              <p:cNvSpPr txBox="1"/>
+              <p:nvPr/>
+            </p:nvSpPr>
+            <p:spPr>
+              <a:xfrm>
+                <a:off x="7983436" y="4029444"/>
+                <a:ext cx="2322239" cy="369332"/>
+              </a:xfrm>
+              <a:prstGeom prst="rect">
+                <a:avLst/>
+              </a:prstGeom>
+              <a:noFill/>
+            </p:spPr>
+            <p:txBody>
+              <a:bodyPr wrap="none" rtlCol="0">
+                <a:spAutoFit/>
+              </a:bodyPr>
+              <a:lstStyle/>
+              <a:p>
+                <a:r>
+                  <a:rPr lang="en-US" dirty="0">
+                    <a:latin typeface="Times" pitchFamily="2" charset="0"/>
+                  </a:rPr>
+                  <a:t>Request deletion of </a:t>
+                </a:r>
+                <a14:m>
+                  <m:oMath xmlns:m="http://schemas.openxmlformats.org/officeDocument/2006/math">
+                    <m:sSub>
+                      <m:sSubPr>
+                        <m:ctrlPr>
+                          <a:rPr lang="en-US" i="1" dirty="0">
+                            <a:latin typeface="Cambria Math" panose="02040503050406030204" pitchFamily="18" charset="0"/>
+                            <a:ea typeface="Cambria Math" panose="02040503050406030204" pitchFamily="18" charset="0"/>
+                          </a:rPr>
+                        </m:ctrlPr>
+                      </m:sSubPr>
+                      <m:e>
+                        <m:r>
+                          <a:rPr lang="en-US" i="1" dirty="0">
+                            <a:latin typeface="Cambria Math" panose="02040503050406030204" pitchFamily="18" charset="0"/>
+                            <a:ea typeface="Cambria Math" panose="02040503050406030204" pitchFamily="18" charset="0"/>
+                          </a:rPr>
+                          <m:t>ℬ</m:t>
+                        </m:r>
+                      </m:e>
+                      <m:sub>
+                        <m:r>
+                          <a:rPr lang="en-US" i="1" dirty="0">
+                            <a:latin typeface="Cambria Math" panose="02040503050406030204" pitchFamily="18" charset="0"/>
+                            <a:ea typeface="Cambria Math" panose="02040503050406030204" pitchFamily="18" charset="0"/>
+                          </a:rPr>
+                          <m:t>𝑖</m:t>
+                        </m:r>
+                      </m:sub>
+                    </m:sSub>
+                  </m:oMath>
+                </a14:m>
+                <a:r>
+                  <a:rPr lang="en-US" dirty="0">
+                    <a:latin typeface="Times" pitchFamily="2" charset="0"/>
+                  </a:rPr>
+                  <a:t> </a:t>
+                </a:r>
+              </a:p>
+            </p:txBody>
+          </p:sp>
+        </mc:Choice>
+        <mc:Fallback>
+          <p:sp>
+            <p:nvSpPr>
+              <p:cNvPr id="77" name="TextBox 76">
+                <a:extLst>
+                  <a:ext uri="{FF2B5EF4-FFF2-40B4-BE49-F238E27FC236}">
+                    <a16:creationId xmlns:a16="http://schemas.microsoft.com/office/drawing/2014/main" id="{1C3CAB5B-15CA-1738-8CA6-71DA963FBA4A}"/>
+                  </a:ext>
+                </a:extLst>
+              </p:cNvPr>
+              <p:cNvSpPr txBox="1">
+                <a:spLocks noRot="1" noChangeAspect="1" noMove="1" noResize="1" noEditPoints="1" noAdjustHandles="1" noChangeArrowheads="1" noChangeShapeType="1" noTextEdit="1"/>
+              </p:cNvSpPr>
+              <p:nvPr/>
+            </p:nvSpPr>
+            <p:spPr>
+              <a:xfrm>
+                <a:off x="7983436" y="4029444"/>
+                <a:ext cx="2322239" cy="369332"/>
+              </a:xfrm>
+              <a:prstGeom prst="rect">
+                <a:avLst/>
+              </a:prstGeom>
+              <a:blipFill>
+                <a:blip r:embed="rId8"/>
+                <a:stretch>
+                  <a:fillRect l="-2174" t="-6667" b="-23333"/>
+                </a:stretch>
+              </a:blipFill>
+            </p:spPr>
+            <p:txBody>
+              <a:bodyPr/>
+              <a:lstStyle/>
+              <a:p>
+                <a:r>
+                  <a:rPr lang="en-US">
+                    <a:noFill/>
+                  </a:rPr>
+                  <a:t> </a:t>
+                </a:r>
+              </a:p>
+            </p:txBody>
+          </p:sp>
+        </mc:Fallback>
+      </mc:AlternateContent>
+      <mc:AlternateContent xmlns:mc="http://schemas.openxmlformats.org/markup-compatibility/2006">
+        <mc:Choice xmlns:a14="http://schemas.microsoft.com/office/drawing/2010/main" Requires="a14">
+          <p:sp>
+            <p:nvSpPr>
+              <p:cNvPr id="96" name="TextBox 95">
+                <a:extLst>
+                  <a:ext uri="{FF2B5EF4-FFF2-40B4-BE49-F238E27FC236}">
+                    <a16:creationId xmlns:a16="http://schemas.microsoft.com/office/drawing/2014/main" id="{267AC135-B8EA-7928-6645-9C11FA9B4D74}"/>
+                  </a:ext>
+                </a:extLst>
+              </p:cNvPr>
+              <p:cNvSpPr txBox="1"/>
+              <p:nvPr/>
+            </p:nvSpPr>
+            <p:spPr>
+              <a:xfrm>
+                <a:off x="4950491" y="3009005"/>
+                <a:ext cx="962868" cy="646331"/>
+              </a:xfrm>
+              <a:prstGeom prst="rect">
+                <a:avLst/>
+              </a:prstGeom>
+              <a:noFill/>
+            </p:spPr>
+            <p:txBody>
+              <a:bodyPr wrap="square" rtlCol="0">
+                <a:spAutoFit/>
+              </a:bodyPr>
+              <a:lstStyle/>
+              <a:p>
+                <a14:m>
+                  <m:oMathPara xmlns:m="http://schemas.openxmlformats.org/officeDocument/2006/math">
+                    <m:oMathParaPr>
+                      <m:jc m:val="centerGroup"/>
+                    </m:oMathParaPr>
+                    <m:oMath xmlns:m="http://schemas.openxmlformats.org/officeDocument/2006/math">
+                      <m:sSub>
+                        <m:sSubPr>
+                          <m:ctrlPr>
+                            <a:rPr lang="en-US" b="1" i="1">
+                              <a:latin typeface="Cambria Math" panose="02040503050406030204" pitchFamily="18" charset="0"/>
+                              <a:ea typeface="Cambria Math" panose="02040503050406030204" pitchFamily="18" charset="0"/>
+                            </a:rPr>
+                          </m:ctrlPr>
+                        </m:sSubPr>
+                        <m:e>
+                          <m:r>
+                            <a:rPr lang="en-US" b="1" i="1">
+                              <a:latin typeface="Cambria Math" panose="02040503050406030204" pitchFamily="18" charset="0"/>
+                              <a:ea typeface="Cambria Math" panose="02040503050406030204" pitchFamily="18" charset="0"/>
+                            </a:rPr>
+                            <m:t>𝒘</m:t>
+                          </m:r>
+                          <m:r>
+                            <a:rPr lang="en-US" b="1" i="1">
+                              <a:latin typeface="Cambria Math" panose="02040503050406030204" pitchFamily="18" charset="0"/>
+                              <a:ea typeface="Cambria Math" panose="02040503050406030204" pitchFamily="18" charset="0"/>
+                            </a:rPr>
+                            <m:t>=</m:t>
+                          </m:r>
+                          <m:r>
+                            <a:rPr lang="en-US" b="1" i="1">
+                              <a:latin typeface="Cambria Math" panose="02040503050406030204" pitchFamily="18" charset="0"/>
+                              <a:ea typeface="Cambria Math" panose="02040503050406030204" pitchFamily="18" charset="0"/>
+                            </a:rPr>
+                            <m:t>𝒘</m:t>
+                          </m:r>
+                        </m:e>
+                        <m:sub>
+                          <m:r>
+                            <a:rPr lang="en-US" i="1">
+                              <a:latin typeface="Cambria Math" panose="02040503050406030204" pitchFamily="18" charset="0"/>
+                              <a:ea typeface="Cambria Math" panose="02040503050406030204" pitchFamily="18" charset="0"/>
+                            </a:rPr>
+                            <m:t>𝑖</m:t>
+                          </m:r>
+                        </m:sub>
+                      </m:sSub>
+                    </m:oMath>
+                  </m:oMathPara>
+                </a14:m>
+                <a:endParaRPr lang="en-US" i="1" dirty="0">
+                  <a:latin typeface="Times" pitchFamily="2" charset="0"/>
+                </a:endParaRPr>
+              </a:p>
+              <a:p>
+                <a:endParaRPr lang="en-US" dirty="0"/>
+              </a:p>
+            </p:txBody>
+          </p:sp>
+        </mc:Choice>
+        <mc:Fallback>
+          <p:sp>
+            <p:nvSpPr>
+              <p:cNvPr id="96" name="TextBox 95">
+                <a:extLst>
+                  <a:ext uri="{FF2B5EF4-FFF2-40B4-BE49-F238E27FC236}">
+                    <a16:creationId xmlns:a16="http://schemas.microsoft.com/office/drawing/2014/main" id="{267AC135-B8EA-7928-6645-9C11FA9B4D74}"/>
+                  </a:ext>
+                </a:extLst>
+              </p:cNvPr>
+              <p:cNvSpPr txBox="1">
+                <a:spLocks noRot="1" noChangeAspect="1" noMove="1" noResize="1" noEditPoints="1" noAdjustHandles="1" noChangeArrowheads="1" noChangeShapeType="1" noTextEdit="1"/>
+              </p:cNvSpPr>
+              <p:nvPr/>
+            </p:nvSpPr>
+            <p:spPr>
+              <a:xfrm>
+                <a:off x="4950491" y="3009005"/>
+                <a:ext cx="962868" cy="646331"/>
+              </a:xfrm>
+              <a:prstGeom prst="rect">
+                <a:avLst/>
+              </a:prstGeom>
+              <a:blipFill>
+                <a:blip r:embed="rId9"/>
+                <a:stretch>
+                  <a:fillRect/>
+                </a:stretch>
+              </a:blipFill>
+            </p:spPr>
+            <p:txBody>
+              <a:bodyPr/>
+              <a:lstStyle/>
+              <a:p>
+                <a:r>
+                  <a:rPr lang="en-US">
+                    <a:noFill/>
+                  </a:rPr>
+                  <a:t> </a:t>
+                </a:r>
+              </a:p>
+            </p:txBody>
+          </p:sp>
+        </mc:Fallback>
+      </mc:AlternateContent>
+      <mc:AlternateContent xmlns:mc="http://schemas.openxmlformats.org/markup-compatibility/2006">
+        <mc:Choice xmlns:a14="http://schemas.microsoft.com/office/drawing/2010/main" Requires="a14">
+          <p:sp>
+            <p:nvSpPr>
+              <p:cNvPr id="98" name="TextBox 97">
+                <a:extLst>
+                  <a:ext uri="{FF2B5EF4-FFF2-40B4-BE49-F238E27FC236}">
+                    <a16:creationId xmlns:a16="http://schemas.microsoft.com/office/drawing/2014/main" id="{FA258CD3-C65B-6635-B6A1-913A7159F5C3}"/>
+                  </a:ext>
+                </a:extLst>
+              </p:cNvPr>
+              <p:cNvSpPr txBox="1"/>
+              <p:nvPr/>
+            </p:nvSpPr>
+            <p:spPr>
+              <a:xfrm>
+                <a:off x="4231771" y="907724"/>
+                <a:ext cx="1492396" cy="646331"/>
+              </a:xfrm>
+              <a:prstGeom prst="rect">
+                <a:avLst/>
+              </a:prstGeom>
+              <a:noFill/>
+            </p:spPr>
+            <p:txBody>
+              <a:bodyPr wrap="none" rtlCol="0">
+                <a:spAutoFit/>
+              </a:bodyPr>
+              <a:lstStyle/>
+              <a:p>
+                <a:r>
+                  <a:rPr lang="en-US" i="1" dirty="0">
+                    <a:latin typeface="Times" pitchFamily="2" charset="0"/>
+                  </a:rPr>
+                  <a:t>Reset</a:t>
+                </a:r>
+                <a14:m>
+                  <m:oMath xmlns:m="http://schemas.openxmlformats.org/officeDocument/2006/math">
+                    <m:sSub>
+                      <m:sSubPr>
+                        <m:ctrlPr>
+                          <a:rPr lang="en-US" i="1" dirty="0">
+                            <a:latin typeface="Cambria Math" panose="02040503050406030204" pitchFamily="18" charset="0"/>
+                          </a:rPr>
+                        </m:ctrlPr>
+                      </m:sSubPr>
+                      <m:e>
+                        <m:r>
+                          <a:rPr lang="en-US" b="0" i="1" dirty="0" smtClean="0">
+                            <a:latin typeface="Cambria Math" panose="02040503050406030204" pitchFamily="18" charset="0"/>
+                          </a:rPr>
+                          <m:t> </m:t>
+                        </m:r>
+                        <m:r>
+                          <a:rPr lang="en-US" i="1" dirty="0">
+                            <a:latin typeface="Cambria Math" panose="02040503050406030204" pitchFamily="18" charset="0"/>
+                            <a:ea typeface="Cambria Math" panose="02040503050406030204" pitchFamily="18" charset="0"/>
+                          </a:rPr>
+                          <m:t>𝒟</m:t>
+                        </m:r>
+                      </m:e>
+                      <m:sub>
+                        <m:r>
+                          <a:rPr lang="en-US" i="1" dirty="0">
+                            <a:latin typeface="Cambria Math" panose="02040503050406030204" pitchFamily="18" charset="0"/>
+                          </a:rPr>
+                          <m:t>0</m:t>
+                        </m:r>
+                      </m:sub>
+                    </m:sSub>
+                  </m:oMath>
+                </a14:m>
+                <a:r>
+                  <a:rPr lang="en-US" dirty="0">
+                    <a:latin typeface="Times" pitchFamily="2" charset="0"/>
+                  </a:rPr>
+                  <a:t>=</a:t>
+                </a:r>
+                <a:r>
+                  <a:rPr lang="en-US" i="1" dirty="0">
+                    <a:latin typeface="Times" pitchFamily="2" charset="0"/>
+                  </a:rPr>
+                  <a:t> </a:t>
+                </a:r>
+                <a14:m>
+                  <m:oMath xmlns:m="http://schemas.openxmlformats.org/officeDocument/2006/math">
+                    <m:sSub>
+                      <m:sSubPr>
+                        <m:ctrlPr>
+                          <a:rPr lang="en-US" i="1" dirty="0">
+                            <a:latin typeface="Cambria Math" panose="02040503050406030204" pitchFamily="18" charset="0"/>
+                          </a:rPr>
+                        </m:ctrlPr>
+                      </m:sSubPr>
+                      <m:e>
+                        <m:r>
+                          <a:rPr lang="en-US" i="1" dirty="0">
+                            <a:latin typeface="Cambria Math" panose="02040503050406030204" pitchFamily="18" charset="0"/>
+                            <a:ea typeface="Cambria Math" panose="02040503050406030204" pitchFamily="18" charset="0"/>
+                          </a:rPr>
+                          <m:t>𝒟</m:t>
+                        </m:r>
+                      </m:e>
+                      <m:sub>
+                        <m:r>
+                          <a:rPr lang="en-US" i="1" dirty="0">
+                            <a:latin typeface="Cambria Math" panose="02040503050406030204" pitchFamily="18" charset="0"/>
+                            <a:ea typeface="Cambria Math" panose="02040503050406030204" pitchFamily="18" charset="0"/>
+                          </a:rPr>
+                          <m:t>𝑖</m:t>
+                        </m:r>
+                      </m:sub>
+                    </m:sSub>
+                  </m:oMath>
+                </a14:m>
+                <a:r>
+                  <a:rPr lang="en-US" i="1" dirty="0">
+                    <a:latin typeface="Times" pitchFamily="2" charset="0"/>
+                  </a:rPr>
+                  <a:t> </a:t>
+                </a:r>
+              </a:p>
+              <a:p>
+                <a:endParaRPr lang="en-US" dirty="0"/>
+              </a:p>
+            </p:txBody>
+          </p:sp>
+        </mc:Choice>
+        <mc:Fallback>
+          <p:sp>
+            <p:nvSpPr>
+              <p:cNvPr id="98" name="TextBox 97">
+                <a:extLst>
+                  <a:ext uri="{FF2B5EF4-FFF2-40B4-BE49-F238E27FC236}">
+                    <a16:creationId xmlns:a16="http://schemas.microsoft.com/office/drawing/2014/main" id="{FA258CD3-C65B-6635-B6A1-913A7159F5C3}"/>
+                  </a:ext>
+                </a:extLst>
+              </p:cNvPr>
+              <p:cNvSpPr txBox="1">
+                <a:spLocks noRot="1" noChangeAspect="1" noMove="1" noResize="1" noEditPoints="1" noAdjustHandles="1" noChangeArrowheads="1" noChangeShapeType="1" noTextEdit="1"/>
+              </p:cNvSpPr>
+              <p:nvPr/>
+            </p:nvSpPr>
+            <p:spPr>
+              <a:xfrm>
+                <a:off x="4231771" y="907724"/>
+                <a:ext cx="1492396" cy="646331"/>
+              </a:xfrm>
+              <a:prstGeom prst="rect">
+                <a:avLst/>
+              </a:prstGeom>
+              <a:blipFill>
+                <a:blip r:embed="rId10"/>
+                <a:stretch>
+                  <a:fillRect l="-3390" t="-3846"/>
+                </a:stretch>
+              </a:blipFill>
+            </p:spPr>
+            <p:txBody>
+              <a:bodyPr/>
+              <a:lstStyle/>
+              <a:p>
+                <a:r>
+                  <a:rPr lang="en-US">
+                    <a:noFill/>
+                  </a:rPr>
+                  <a:t> </a:t>
+                </a:r>
+              </a:p>
+            </p:txBody>
+          </p:sp>
+        </mc:Fallback>
+      </mc:AlternateContent>
+      <p:sp>
+        <p:nvSpPr>
+          <p:cNvPr id="99" name="TextBox 98">
+            <a:extLst>
+              <a:ext uri="{FF2B5EF4-FFF2-40B4-BE49-F238E27FC236}">
+                <a16:creationId xmlns:a16="http://schemas.microsoft.com/office/drawing/2014/main" id="{CAE0BB46-8632-92E0-12CE-D9C02B2C71D9}"/>
+              </a:ext>
+            </a:extLst>
+          </p:cNvPr>
+          <p:cNvSpPr txBox="1"/>
+          <p:nvPr/>
+        </p:nvSpPr>
+        <p:spPr>
+          <a:xfrm>
+            <a:off x="2237740" y="2767007"/>
+            <a:ext cx="1832553" cy="369332"/>
+          </a:xfrm>
+          <a:prstGeom prst="rect">
+            <a:avLst/>
+          </a:prstGeom>
+          <a:noFill/>
+        </p:spPr>
+        <p:txBody>
+          <a:bodyPr wrap="none" rtlCol="0">
+            <a:spAutoFit/>
+          </a:bodyPr>
+          <a:lstStyle/>
+          <a:p>
+            <a:r>
+              <a:rPr lang="en-US" b="1" dirty="0">
+                <a:latin typeface="Times" pitchFamily="2" charset="0"/>
+              </a:rPr>
+              <a:t>Publishing Stage</a:t>
+            </a:r>
+          </a:p>
+        </p:txBody>
+      </p:sp>
+      <p:sp>
+        <p:nvSpPr>
+          <p:cNvPr id="101" name="TextBox 100">
+            <a:extLst>
+              <a:ext uri="{FF2B5EF4-FFF2-40B4-BE49-F238E27FC236}">
+                <a16:creationId xmlns:a16="http://schemas.microsoft.com/office/drawing/2014/main" id="{834D4005-BF50-E8FE-A762-53C33C20AAEF}"/>
+              </a:ext>
+            </a:extLst>
+          </p:cNvPr>
+          <p:cNvSpPr txBox="1"/>
+          <p:nvPr/>
+        </p:nvSpPr>
+        <p:spPr>
+          <a:xfrm>
+            <a:off x="2199640" y="4011607"/>
+            <a:ext cx="1896673" cy="369332"/>
+          </a:xfrm>
+          <a:prstGeom prst="rect">
+            <a:avLst/>
+          </a:prstGeom>
+          <a:noFill/>
+        </p:spPr>
+        <p:txBody>
+          <a:bodyPr wrap="none" rtlCol="0">
+            <a:spAutoFit/>
+          </a:bodyPr>
+          <a:lstStyle/>
+          <a:p>
+            <a:r>
+              <a:rPr lang="en-US" b="1" dirty="0">
+                <a:latin typeface="Times" pitchFamily="2" charset="0"/>
+              </a:rPr>
+              <a:t>Unlearning Stage</a:t>
+            </a:r>
+          </a:p>
+        </p:txBody>
+      </p:sp>
+      <p:sp>
+        <p:nvSpPr>
+          <p:cNvPr id="102" name="TextBox 101">
+            <a:extLst>
+              <a:ext uri="{FF2B5EF4-FFF2-40B4-BE49-F238E27FC236}">
+                <a16:creationId xmlns:a16="http://schemas.microsoft.com/office/drawing/2014/main" id="{691F8589-4FB3-F584-CB8F-EAA5BE43E885}"/>
+              </a:ext>
+            </a:extLst>
+          </p:cNvPr>
+          <p:cNvSpPr txBox="1"/>
+          <p:nvPr/>
+        </p:nvSpPr>
+        <p:spPr>
+          <a:xfrm>
+            <a:off x="2199640" y="773107"/>
+            <a:ext cx="1636025" cy="369332"/>
+          </a:xfrm>
+          <a:prstGeom prst="rect">
+            <a:avLst/>
+          </a:prstGeom>
+          <a:noFill/>
+        </p:spPr>
+        <p:txBody>
+          <a:bodyPr wrap="none" rtlCol="0">
+            <a:spAutoFit/>
+          </a:bodyPr>
+          <a:lstStyle/>
+          <a:p>
+            <a:r>
+              <a:rPr lang="en-US" b="1" dirty="0">
+                <a:latin typeface="Times" pitchFamily="2" charset="0"/>
+              </a:rPr>
+              <a:t>Training Stage</a:t>
+            </a:r>
+          </a:p>
+        </p:txBody>
+      </p:sp>
+      <p:cxnSp>
+        <p:nvCxnSpPr>
+          <p:cNvPr id="109" name="Straight Arrow Connector 108">
+            <a:extLst>
+              <a:ext uri="{FF2B5EF4-FFF2-40B4-BE49-F238E27FC236}">
+                <a16:creationId xmlns:a16="http://schemas.microsoft.com/office/drawing/2014/main" id="{C3F46310-4C4D-842E-E216-AA9B0EAF783D}"/>
+              </a:ext>
+            </a:extLst>
+          </p:cNvPr>
+          <p:cNvCxnSpPr>
+            <a:cxnSpLocks/>
+            <a:stCxn id="112" idx="4"/>
+            <a:endCxn id="16" idx="0"/>
+          </p:cNvCxnSpPr>
+          <p:nvPr/>
+        </p:nvCxnSpPr>
+        <p:spPr>
+          <a:xfrm>
+            <a:off x="7714714" y="624737"/>
+            <a:ext cx="0" cy="356499"/>
+          </a:xfrm>
+          <a:prstGeom prst="straightConnector1">
+            <a:avLst/>
+          </a:prstGeom>
+          <a:ln w="19050">
+            <a:tailEnd type="triangle"/>
+          </a:ln>
+        </p:spPr>
+        <p:style>
+          <a:lnRef idx="1">
+            <a:schemeClr val="dk1"/>
+          </a:lnRef>
+          <a:fillRef idx="0">
+            <a:schemeClr val="dk1"/>
+          </a:fillRef>
+          <a:effectRef idx="0">
+            <a:schemeClr val="dk1"/>
+          </a:effectRef>
+          <a:fontRef idx="minor">
+            <a:schemeClr val="tx1"/>
+          </a:fontRef>
+        </p:style>
+      </p:cxnSp>
+      <mc:AlternateContent xmlns:mc="http://schemas.openxmlformats.org/markup-compatibility/2006">
+        <mc:Choice xmlns:a14="http://schemas.microsoft.com/office/drawing/2010/main" Requires="a14">
+          <p:sp>
+            <p:nvSpPr>
+              <p:cNvPr id="111" name="TextBox 110">
+                <a:extLst>
+                  <a:ext uri="{FF2B5EF4-FFF2-40B4-BE49-F238E27FC236}">
+                    <a16:creationId xmlns:a16="http://schemas.microsoft.com/office/drawing/2014/main" id="{2F8B351A-9EA0-F25F-1558-7E2EA31827DC}"/>
+                  </a:ext>
+                </a:extLst>
+              </p:cNvPr>
+              <p:cNvSpPr txBox="1"/>
+              <p:nvPr/>
+            </p:nvSpPr>
+            <p:spPr>
+              <a:xfrm>
+                <a:off x="6941718" y="257519"/>
+                <a:ext cx="1779270" cy="369332"/>
+              </a:xfrm>
+              <a:prstGeom prst="rect">
+                <a:avLst/>
+              </a:prstGeom>
+              <a:noFill/>
+            </p:spPr>
+            <p:txBody>
+              <a:bodyPr wrap="none" rtlCol="0">
+                <a:spAutoFit/>
+              </a:bodyPr>
+              <a:lstStyle/>
+              <a:p>
+                <a:r>
+                  <a:rPr lang="en-US" dirty="0">
+                    <a:latin typeface="Times" pitchFamily="2" charset="0"/>
+                  </a:rPr>
+                  <a:t>Input Dataset </a:t>
+                </a:r>
+                <a14:m>
+                  <m:oMath xmlns:m="http://schemas.openxmlformats.org/officeDocument/2006/math">
+                    <m:sSub>
+                      <m:sSubPr>
+                        <m:ctrlPr>
+                          <a:rPr lang="en-US" i="1" dirty="0">
+                            <a:latin typeface="Cambria Math" panose="02040503050406030204" pitchFamily="18" charset="0"/>
+                          </a:rPr>
+                        </m:ctrlPr>
+                      </m:sSubPr>
+                      <m:e>
+                        <m:r>
+                          <a:rPr lang="en-US" i="1" dirty="0">
+                            <a:latin typeface="Cambria Math" panose="02040503050406030204" pitchFamily="18" charset="0"/>
+                            <a:ea typeface="Cambria Math" panose="02040503050406030204" pitchFamily="18" charset="0"/>
+                          </a:rPr>
+                          <m:t>𝒟</m:t>
+                        </m:r>
+                      </m:e>
+                      <m:sub>
+                        <m:r>
+                          <a:rPr lang="en-US" i="1" dirty="0">
+                            <a:latin typeface="Cambria Math" panose="02040503050406030204" pitchFamily="18" charset="0"/>
+                          </a:rPr>
+                          <m:t>0</m:t>
+                        </m:r>
+                      </m:sub>
+                    </m:sSub>
+                  </m:oMath>
+                </a14:m>
+                <a:endParaRPr lang="en-US" dirty="0"/>
+              </a:p>
+            </p:txBody>
+          </p:sp>
+        </mc:Choice>
+        <mc:Fallback>
+          <p:sp>
+            <p:nvSpPr>
+              <p:cNvPr id="111" name="TextBox 110">
+                <a:extLst>
+                  <a:ext uri="{FF2B5EF4-FFF2-40B4-BE49-F238E27FC236}">
+                    <a16:creationId xmlns:a16="http://schemas.microsoft.com/office/drawing/2014/main" id="{2F8B351A-9EA0-F25F-1558-7E2EA31827DC}"/>
+                  </a:ext>
+                </a:extLst>
+              </p:cNvPr>
+              <p:cNvSpPr txBox="1">
+                <a:spLocks noRot="1" noChangeAspect="1" noMove="1" noResize="1" noEditPoints="1" noAdjustHandles="1" noChangeArrowheads="1" noChangeShapeType="1" noTextEdit="1"/>
+              </p:cNvSpPr>
+              <p:nvPr/>
+            </p:nvSpPr>
+            <p:spPr>
+              <a:xfrm>
+                <a:off x="6941718" y="257519"/>
+                <a:ext cx="1779270" cy="369332"/>
+              </a:xfrm>
+              <a:prstGeom prst="rect">
+                <a:avLst/>
+              </a:prstGeom>
+              <a:blipFill>
+                <a:blip r:embed="rId11"/>
+                <a:stretch>
+                  <a:fillRect l="-2837" t="-6667" b="-23333"/>
+                </a:stretch>
+              </a:blipFill>
+            </p:spPr>
+            <p:txBody>
+              <a:bodyPr/>
+              <a:lstStyle/>
+              <a:p>
+                <a:r>
+                  <a:rPr lang="en-US">
+                    <a:noFill/>
+                  </a:rPr>
+                  <a:t> </a:t>
+                </a:r>
+              </a:p>
+            </p:txBody>
+          </p:sp>
+        </mc:Fallback>
+      </mc:AlternateContent>
+    </p:spTree>
+    <p:extLst>
+      <p:ext uri="{BB962C8B-B14F-4D97-AF65-F5344CB8AC3E}">
+        <p14:creationId xmlns:p14="http://schemas.microsoft.com/office/powerpoint/2010/main" val="1874257042"/>
+      </p:ext>
+    </p:extLst>
+  </p:cSld>
+  <p:clrMapOvr>
+    <a:masterClrMapping/>
+  </p:clrMapOvr>
+</p:sld>
+</file>
+
 <file path=ppt/slides/slide2.xml><?xml version="1.0" encoding="utf-8"?>
 <p:sld xmlns:a="http://schemas.openxmlformats.org/drawingml/2006/main" xmlns:r="http://schemas.openxmlformats.org/officeDocument/2006/relationships" xmlns:p="http://schemas.openxmlformats.org/presentationml/2006/main">
   <p:cSld>
@@ -19390,7 +22149,39 @@
       </a:bgFillStyleLst>
     </a:fmtScheme>
   </a:themeElements>
-  <a:objectDefaults/>
+  <a:objectDefaults>
+    <a:spDef>
+      <a:spPr>
+        <a:ln w="25400">
+          <a:solidFill>
+            <a:schemeClr val="tx1"/>
+          </a:solidFill>
+        </a:ln>
+      </a:spPr>
+      <a:bodyPr rtlCol="0" anchor="ctr"/>
+      <a:lstStyle>
+        <a:defPPr algn="ctr">
+          <a:defRPr dirty="0" smtClean="0">
+            <a:latin typeface="Times" pitchFamily="2" charset="0"/>
+          </a:defRPr>
+        </a:defPPr>
+      </a:lstStyle>
+      <a:style>
+        <a:lnRef idx="2">
+          <a:schemeClr val="accent6"/>
+        </a:lnRef>
+        <a:fillRef idx="1">
+          <a:schemeClr val="lt1"/>
+        </a:fillRef>
+        <a:effectRef idx="0">
+          <a:schemeClr val="accent6"/>
+        </a:effectRef>
+        <a:fontRef idx="minor">
+          <a:schemeClr val="dk1"/>
+        </a:fontRef>
+      </a:style>
+    </a:spDef>
+  </a:objectDefaults>
   <a:extraClrSchemeLst/>
   <a:extLst>
     <a:ext uri="{05A4C25C-085E-4340-85A3-A5531E510DB2}">
